--- a/ group Project -Presentation.pptx
+++ b/ group Project -Presentation.pptx
@@ -5,7 +5,12 @@
     <p:sldMasterId id="2147483648" r:id="rId1"/>
   </p:sldMasterIdLst>
   <p:sldIdLst>
-    <p:sldId id="256" r:id="rId2"/>
+    <p:sldId id="261" r:id="rId2"/>
+    <p:sldId id="258" r:id="rId3"/>
+    <p:sldId id="257" r:id="rId4"/>
+    <p:sldId id="259" r:id="rId5"/>
+    <p:sldId id="262" r:id="rId6"/>
+    <p:sldId id="256" r:id="rId7"/>
   </p:sldIdLst>
   <p:sldSz cx="12192000" cy="6858000"/>
   <p:notesSz cx="6858000" cy="9144000"/>
@@ -261,7 +266,7 @@
           <a:p>
             <a:fld id="{E5ABCFFC-9D78-1E46-8A03-FDDABF80F747}" type="datetimeFigureOut">
               <a:rPr lang="en-US" smtClean="0"/>
-              <a:t>1/6/20</a:t>
+              <a:t>1/8/20</a:t>
             </a:fld>
             <a:endParaRPr lang="en-US"/>
           </a:p>
@@ -461,7 +466,7 @@
           <a:p>
             <a:fld id="{E5ABCFFC-9D78-1E46-8A03-FDDABF80F747}" type="datetimeFigureOut">
               <a:rPr lang="en-US" smtClean="0"/>
-              <a:t>1/6/20</a:t>
+              <a:t>1/8/20</a:t>
             </a:fld>
             <a:endParaRPr lang="en-US"/>
           </a:p>
@@ -671,7 +676,7 @@
           <a:p>
             <a:fld id="{E5ABCFFC-9D78-1E46-8A03-FDDABF80F747}" type="datetimeFigureOut">
               <a:rPr lang="en-US" smtClean="0"/>
-              <a:t>1/6/20</a:t>
+              <a:t>1/8/20</a:t>
             </a:fld>
             <a:endParaRPr lang="en-US"/>
           </a:p>
@@ -871,7 +876,7 @@
           <a:p>
             <a:fld id="{E5ABCFFC-9D78-1E46-8A03-FDDABF80F747}" type="datetimeFigureOut">
               <a:rPr lang="en-US" smtClean="0"/>
-              <a:t>1/6/20</a:t>
+              <a:t>1/8/20</a:t>
             </a:fld>
             <a:endParaRPr lang="en-US"/>
           </a:p>
@@ -1147,7 +1152,7 @@
           <a:p>
             <a:fld id="{E5ABCFFC-9D78-1E46-8A03-FDDABF80F747}" type="datetimeFigureOut">
               <a:rPr lang="en-US" smtClean="0"/>
-              <a:t>1/6/20</a:t>
+              <a:t>1/8/20</a:t>
             </a:fld>
             <a:endParaRPr lang="en-US"/>
           </a:p>
@@ -1415,7 +1420,7 @@
           <a:p>
             <a:fld id="{E5ABCFFC-9D78-1E46-8A03-FDDABF80F747}" type="datetimeFigureOut">
               <a:rPr lang="en-US" smtClean="0"/>
-              <a:t>1/6/20</a:t>
+              <a:t>1/8/20</a:t>
             </a:fld>
             <a:endParaRPr lang="en-US"/>
           </a:p>
@@ -1830,7 +1835,7 @@
           <a:p>
             <a:fld id="{E5ABCFFC-9D78-1E46-8A03-FDDABF80F747}" type="datetimeFigureOut">
               <a:rPr lang="en-US" smtClean="0"/>
-              <a:t>1/6/20</a:t>
+              <a:t>1/8/20</a:t>
             </a:fld>
             <a:endParaRPr lang="en-US"/>
           </a:p>
@@ -1972,7 +1977,7 @@
           <a:p>
             <a:fld id="{E5ABCFFC-9D78-1E46-8A03-FDDABF80F747}" type="datetimeFigureOut">
               <a:rPr lang="en-US" smtClean="0"/>
-              <a:t>1/6/20</a:t>
+              <a:t>1/8/20</a:t>
             </a:fld>
             <a:endParaRPr lang="en-US"/>
           </a:p>
@@ -2085,7 +2090,7 @@
           <a:p>
             <a:fld id="{E5ABCFFC-9D78-1E46-8A03-FDDABF80F747}" type="datetimeFigureOut">
               <a:rPr lang="en-US" smtClean="0"/>
-              <a:t>1/6/20</a:t>
+              <a:t>1/8/20</a:t>
             </a:fld>
             <a:endParaRPr lang="en-US"/>
           </a:p>
@@ -2398,7 +2403,7 @@
           <a:p>
             <a:fld id="{E5ABCFFC-9D78-1E46-8A03-FDDABF80F747}" type="datetimeFigureOut">
               <a:rPr lang="en-US" smtClean="0"/>
-              <a:t>1/6/20</a:t>
+              <a:t>1/8/20</a:t>
             </a:fld>
             <a:endParaRPr lang="en-US"/>
           </a:p>
@@ -2687,7 +2692,7 @@
           <a:p>
             <a:fld id="{E5ABCFFC-9D78-1E46-8A03-FDDABF80F747}" type="datetimeFigureOut">
               <a:rPr lang="en-US" smtClean="0"/>
-              <a:t>1/6/20</a:t>
+              <a:t>1/8/20</a:t>
             </a:fld>
             <a:endParaRPr lang="en-US"/>
           </a:p>
@@ -2930,7 +2935,7 @@
           <a:p>
             <a:fld id="{E5ABCFFC-9D78-1E46-8A03-FDDABF80F747}" type="datetimeFigureOut">
               <a:rPr lang="en-US" smtClean="0"/>
-              <a:t>1/6/20</a:t>
+              <a:t>1/8/20</a:t>
             </a:fld>
             <a:endParaRPr lang="en-US"/>
           </a:p>
@@ -3349,52 +3354,149 @@
       </p:grpSpPr>
       <p:sp>
         <p:nvSpPr>
-          <p:cNvPr id="3" name="Subtitle 2">
-            <a:extLst>
-              <a:ext uri="{FF2B5EF4-FFF2-40B4-BE49-F238E27FC236}">
-                <a16:creationId xmlns:a16="http://schemas.microsoft.com/office/drawing/2014/main" id="{A316AA91-716F-204E-858C-904CF2B43D72}"/>
-              </a:ext>
-            </a:extLst>
-          </p:cNvPr>
-          <p:cNvSpPr>
-            <a:spLocks noGrp="1"/>
-          </p:cNvSpPr>
-          <p:nvPr>
-            <p:ph type="subTitle" idx="1"/>
-          </p:nvPr>
-        </p:nvSpPr>
-        <p:spPr>
-          <a:xfrm>
-            <a:off x="1524000" y="411423"/>
-            <a:ext cx="8977313" cy="1260215"/>
-          </a:xfrm>
-        </p:spPr>
-        <p:txBody>
-          <a:bodyPr/>
-          <a:lstStyle/>
-          <a:p>
-            <a:r>
-              <a:rPr lang="en-US"/>
-              <a:t>Prediction Performance by Lookback Window </a:t>
-            </a:r>
-            <a:r>
-              <a:rPr lang="en-US" dirty="0"/>
-              <a:t>L</a:t>
-            </a:r>
-            <a:r>
-              <a:rPr lang="en-US"/>
-              <a:t>ength</a:t>
-            </a:r>
+          <p:cNvPr id="2" name="Title 1">
+            <a:extLst>
+              <a:ext uri="{FF2B5EF4-FFF2-40B4-BE49-F238E27FC236}">
+                <a16:creationId xmlns:a16="http://schemas.microsoft.com/office/drawing/2014/main" id="{D395A3C0-4846-F144-BBC8-65B87BE1A09F}"/>
+              </a:ext>
+            </a:extLst>
+          </p:cNvPr>
+          <p:cNvSpPr>
+            <a:spLocks noGrp="1"/>
+          </p:cNvSpPr>
+          <p:nvPr>
+            <p:ph type="title"/>
+          </p:nvPr>
+        </p:nvSpPr>
+        <p:spPr/>
+        <p:txBody>
+          <a:bodyPr/>
+          <a:lstStyle/>
+          <a:p>
+            <a:pPr algn="ctr"/>
+            <a:r>
+              <a:rPr lang="en-US" dirty="0">
+                <a:latin typeface="Arial" panose="020B0604020202020204" pitchFamily="34" charset="0"/>
+                <a:cs typeface="Arial" panose="020B0604020202020204" pitchFamily="34" charset="0"/>
+              </a:rPr>
+              <a:t>MLB Game Winner Predictor</a:t>
+            </a:r>
+            <a:br>
+              <a:rPr lang="en-US" dirty="0">
+                <a:latin typeface="Arial" panose="020B0604020202020204" pitchFamily="34" charset="0"/>
+                <a:cs typeface="Arial" panose="020B0604020202020204" pitchFamily="34" charset="0"/>
+              </a:rPr>
+            </a:br>
+            <a:endParaRPr lang="en-US" dirty="0"/>
+          </a:p>
+        </p:txBody>
+      </p:sp>
+      <p:sp>
+        <p:nvSpPr>
+          <p:cNvPr id="3" name="Content Placeholder 2">
+            <a:extLst>
+              <a:ext uri="{FF2B5EF4-FFF2-40B4-BE49-F238E27FC236}">
+                <a16:creationId xmlns:a16="http://schemas.microsoft.com/office/drawing/2014/main" id="{8F85D975-58AA-DE44-837C-C7F09F53F3F4}"/>
+              </a:ext>
+            </a:extLst>
+          </p:cNvPr>
+          <p:cNvSpPr>
+            <a:spLocks noGrp="1"/>
+          </p:cNvSpPr>
+          <p:nvPr>
+            <p:ph idx="1"/>
+          </p:nvPr>
+        </p:nvSpPr>
+        <p:spPr/>
+        <p:txBody>
+          <a:bodyPr/>
+          <a:lstStyle/>
+          <a:p>
+            <a:pPr marL="0" indent="0" algn="ctr">
+              <a:buNone/>
+            </a:pPr>
+            <a:r>
+              <a:rPr lang="en-US" dirty="0">
+                <a:latin typeface="Arial" panose="020B0604020202020204" pitchFamily="34" charset="0"/>
+                <a:cs typeface="Arial" panose="020B0604020202020204" pitchFamily="34" charset="0"/>
+              </a:rPr>
+              <a:t>UCSD Data Science Bootcamp Project 1, 01/11/2020</a:t>
+            </a:r>
+          </a:p>
+          <a:p>
+            <a:pPr marL="0" indent="0" algn="ctr">
+              <a:buNone/>
+            </a:pPr>
+            <a:endParaRPr lang="en-US" dirty="0">
+              <a:latin typeface="Arial" panose="020B0604020202020204" pitchFamily="34" charset="0"/>
+              <a:cs typeface="Arial" panose="020B0604020202020204" pitchFamily="34" charset="0"/>
+            </a:endParaRPr>
+          </a:p>
+          <a:p>
+            <a:pPr marL="0" indent="0" algn="ctr">
+              <a:buNone/>
+            </a:pPr>
+            <a:r>
+              <a:rPr lang="en-US" dirty="0">
+                <a:latin typeface="Arial" panose="020B0604020202020204" pitchFamily="34" charset="0"/>
+                <a:cs typeface="Arial" panose="020B0604020202020204" pitchFamily="34" charset="0"/>
+              </a:rPr>
+              <a:t>Alexis Perumal</a:t>
+            </a:r>
+          </a:p>
+          <a:p>
+            <a:pPr marL="0" indent="0" algn="ctr">
+              <a:buNone/>
+            </a:pPr>
+            <a:r>
+              <a:rPr lang="en-US" dirty="0" err="1">
+                <a:latin typeface="Arial" panose="020B0604020202020204" pitchFamily="34" charset="0"/>
+                <a:cs typeface="Arial" panose="020B0604020202020204" pitchFamily="34" charset="0"/>
+              </a:rPr>
+              <a:t>Venkateswarlu</a:t>
+            </a:r>
+            <a:r>
+              <a:rPr lang="en-US" dirty="0">
+                <a:latin typeface="Arial" panose="020B0604020202020204" pitchFamily="34" charset="0"/>
+                <a:cs typeface="Arial" panose="020B0604020202020204" pitchFamily="34" charset="0"/>
+              </a:rPr>
+              <a:t> </a:t>
+            </a:r>
+            <a:r>
+              <a:rPr lang="en-US" dirty="0" err="1">
+                <a:latin typeface="Arial" panose="020B0604020202020204" pitchFamily="34" charset="0"/>
+                <a:cs typeface="Arial" panose="020B0604020202020204" pitchFamily="34" charset="0"/>
+              </a:rPr>
+              <a:t>Pinnika</a:t>
+            </a:r>
+            <a:endParaRPr lang="en-US" dirty="0">
+              <a:latin typeface="Arial" panose="020B0604020202020204" pitchFamily="34" charset="0"/>
+              <a:cs typeface="Arial" panose="020B0604020202020204" pitchFamily="34" charset="0"/>
+            </a:endParaRPr>
+          </a:p>
+          <a:p>
+            <a:pPr marL="0" indent="0" algn="ctr">
+              <a:buNone/>
+            </a:pPr>
+            <a:r>
+              <a:rPr lang="en-US" dirty="0">
+                <a:latin typeface="Arial" panose="020B0604020202020204" pitchFamily="34" charset="0"/>
+                <a:cs typeface="Arial" panose="020B0604020202020204" pitchFamily="34" charset="0"/>
+              </a:rPr>
+              <a:t>Young You</a:t>
+            </a:r>
+          </a:p>
+          <a:p>
             <a:endParaRPr lang="en-US" dirty="0"/>
           </a:p>
         </p:txBody>
       </p:sp>
       <p:pic>
         <p:nvPicPr>
-          <p:cNvPr id="5" name="Picture 4">
-            <a:extLst>
-              <a:ext uri="{FF2B5EF4-FFF2-40B4-BE49-F238E27FC236}">
-                <a16:creationId xmlns:a16="http://schemas.microsoft.com/office/drawing/2014/main" id="{EB70FA39-A8E5-ED4C-99CF-64036E269F4A}"/>
+          <p:cNvPr id="4" name="Picture 3">
+            <a:extLst>
+              <a:ext uri="{FF2B5EF4-FFF2-40B4-BE49-F238E27FC236}">
+                <a16:creationId xmlns:a16="http://schemas.microsoft.com/office/drawing/2014/main" id="{2863A1AF-1B87-7749-9197-856BF75D5705}"/>
               </a:ext>
             </a:extLst>
           </p:cNvPr>
@@ -3411,58 +3513,786 @@
         </p:blipFill>
         <p:spPr>
           <a:xfrm>
-            <a:off x="1376362" y="1315243"/>
-            <a:ext cx="6586777" cy="4227513"/>
+            <a:off x="4139656" y="4495800"/>
+            <a:ext cx="4330700" cy="2362200"/>
           </a:xfrm>
           <a:prstGeom prst="rect">
             <a:avLst/>
           </a:prstGeom>
         </p:spPr>
       </p:pic>
-      <p:sp>
-        <p:nvSpPr>
-          <p:cNvPr id="6" name="TextBox 5">
-            <a:extLst>
-              <a:ext uri="{FF2B5EF4-FFF2-40B4-BE49-F238E27FC236}">
-                <a16:creationId xmlns:a16="http://schemas.microsoft.com/office/drawing/2014/main" id="{8AA0129B-A8AE-614D-80A2-8F4A7C297C41}"/>
-              </a:ext>
-            </a:extLst>
-          </p:cNvPr>
-          <p:cNvSpPr txBox="1"/>
+    </p:spTree>
+    <p:extLst>
+      <p:ext uri="{BB962C8B-B14F-4D97-AF65-F5344CB8AC3E}">
+        <p14:creationId xmlns:p14="http://schemas.microsoft.com/office/powerpoint/2010/main" val="3718537542"/>
+      </p:ext>
+    </p:extLst>
+  </p:cSld>
+  <p:clrMapOvr>
+    <a:masterClrMapping/>
+  </p:clrMapOvr>
+</p:sld>
+</file>
+
+<file path=ppt/slides/slide2.xml><?xml version="1.0" encoding="utf-8"?>
+<p:sld xmlns:a="http://schemas.openxmlformats.org/drawingml/2006/main" xmlns:r="http://schemas.openxmlformats.org/officeDocument/2006/relationships" xmlns:p="http://schemas.openxmlformats.org/presentationml/2006/main">
+  <p:cSld>
+    <p:spTree>
+      <p:nvGrpSpPr>
+        <p:cNvPr id="1" name=""/>
+        <p:cNvGrpSpPr/>
+        <p:nvPr/>
+      </p:nvGrpSpPr>
+      <p:grpSpPr>
+        <a:xfrm>
+          <a:off x="0" y="0"/>
+          <a:ext cx="0" cy="0"/>
+          <a:chOff x="0" y="0"/>
+          <a:chExt cx="0" cy="0"/>
+        </a:xfrm>
+      </p:grpSpPr>
+      <p:sp>
+        <p:nvSpPr>
+          <p:cNvPr id="4" name="Rectangle 3">
+            <a:extLst>
+              <a:ext uri="{FF2B5EF4-FFF2-40B4-BE49-F238E27FC236}">
+                <a16:creationId xmlns:a16="http://schemas.microsoft.com/office/drawing/2014/main" id="{F8A7BE89-8B36-3145-AC14-B18E6B967D1A}"/>
+              </a:ext>
+            </a:extLst>
+          </p:cNvPr>
+          <p:cNvSpPr/>
           <p:nvPr/>
         </p:nvSpPr>
         <p:spPr>
           <a:xfrm>
-            <a:off x="8172449" y="1530157"/>
-            <a:ext cx="3414713" cy="923330"/>
+            <a:off x="1063084" y="223023"/>
+            <a:ext cx="9419061" cy="6278642"/>
           </a:xfrm>
           <a:prstGeom prst="rect">
             <a:avLst/>
           </a:prstGeom>
-          <a:noFill/>
         </p:spPr>
         <p:txBody>
-          <a:bodyPr wrap="square" rtlCol="0">
+          <a:bodyPr wrap="square">
             <a:spAutoFit/>
           </a:bodyPr>
           <a:lstStyle/>
           <a:p>
+            <a:endParaRPr lang="en-US" dirty="0">
+              <a:latin typeface="Arial" panose="020B0604020202020204" pitchFamily="34" charset="0"/>
+              <a:cs typeface="Arial" panose="020B0604020202020204" pitchFamily="34" charset="0"/>
+            </a:endParaRPr>
+          </a:p>
+          <a:p>
+            <a:r>
+              <a:rPr lang="en-US" sz="2000" b="1" dirty="0">
+                <a:latin typeface="Arial" panose="020B0604020202020204" pitchFamily="34" charset="0"/>
+                <a:cs typeface="Arial" panose="020B0604020202020204" pitchFamily="34" charset="0"/>
+              </a:rPr>
+              <a:t>Project Objective:</a:t>
+            </a:r>
+          </a:p>
+          <a:p>
             <a:r>
               <a:rPr lang="en-US" dirty="0"/>
-              <a:t>Methods</a:t>
-            </a:r>
-          </a:p>
-          <a:p>
+              <a:t>Build a predictive model that can predict the winner of an MLB game, before it starts.</a:t>
+            </a:r>
+          </a:p>
+          <a:p>
+            <a:endParaRPr lang="en-US" dirty="0">
+              <a:latin typeface="Arial" panose="020B0604020202020204" pitchFamily="34" charset="0"/>
+              <a:cs typeface="Arial" panose="020B0604020202020204" pitchFamily="34" charset="0"/>
+            </a:endParaRPr>
+          </a:p>
+          <a:p>
+            <a:r>
+              <a:rPr lang="en-US" sz="2000" b="1" dirty="0">
+                <a:latin typeface="Arial" panose="020B0604020202020204" pitchFamily="34" charset="0"/>
+                <a:cs typeface="Arial" panose="020B0604020202020204" pitchFamily="34" charset="0"/>
+              </a:rPr>
+              <a:t>Project Description/Outline:</a:t>
+            </a:r>
+          </a:p>
+          <a:p>
+            <a:pPr marL="285750" indent="-285750">
+              <a:buFont typeface="Arial" panose="020B0604020202020204" pitchFamily="34" charset="0"/>
+              <a:buChar char="•"/>
+            </a:pPr>
             <a:r>
               <a:rPr lang="en-US" dirty="0"/>
-              <a:t>*</a:t>
-            </a:r>
-          </a:p>
-          <a:p>
+              <a:t>Brainstorm the concept</a:t>
+            </a:r>
+          </a:p>
+          <a:p>
+            <a:pPr marL="285750" indent="-285750">
+              <a:buFont typeface="Arial" panose="020B0604020202020204" pitchFamily="34" charset="0"/>
+              <a:buChar char="•"/>
+            </a:pPr>
             <a:r>
               <a:rPr lang="en-US" dirty="0"/>
-              <a:t>*</a:t>
-            </a:r>
+              <a:t>Browse the dataset</a:t>
+            </a:r>
+          </a:p>
+          <a:p>
+            <a:pPr marL="285750" indent="-285750">
+              <a:buFont typeface="Arial" panose="020B0604020202020204" pitchFamily="34" charset="0"/>
+              <a:buChar char="•"/>
+            </a:pPr>
+            <a:r>
+              <a:rPr lang="en-US" dirty="0"/>
+              <a:t>Evaluate which factors drive runs</a:t>
+            </a:r>
+          </a:p>
+          <a:p>
+            <a:pPr marL="285750" indent="-285750">
+              <a:buFont typeface="Arial" panose="020B0604020202020204" pitchFamily="34" charset="0"/>
+              <a:buChar char="•"/>
+            </a:pPr>
+            <a:r>
+              <a:rPr lang="en-US" dirty="0"/>
+              <a:t>Build a simple 1 or 2 factor predictive model. Evaluate it.</a:t>
+            </a:r>
+          </a:p>
+          <a:p>
+            <a:endParaRPr lang="en-US" dirty="0">
+              <a:latin typeface="Arial" panose="020B0604020202020204" pitchFamily="34" charset="0"/>
+              <a:cs typeface="Arial" panose="020B0604020202020204" pitchFamily="34" charset="0"/>
+            </a:endParaRPr>
+          </a:p>
+          <a:p>
+            <a:r>
+              <a:rPr lang="en-US" b="1" dirty="0"/>
+              <a:t>Research Questions to Answer</a:t>
+            </a:r>
+          </a:p>
+          <a:p>
+            <a:pPr marL="285750" indent="-285750">
+              <a:buFont typeface="Arial" panose="020B0604020202020204" pitchFamily="34" charset="0"/>
+              <a:buChar char="•"/>
+            </a:pPr>
+            <a:r>
+              <a:rPr lang="en-US" dirty="0"/>
+              <a:t>What factors drive runs and game outcomes?</a:t>
+            </a:r>
+          </a:p>
+          <a:p>
+            <a:pPr marL="285750" indent="-285750">
+              <a:buFont typeface="Arial" panose="020B0604020202020204" pitchFamily="34" charset="0"/>
+              <a:buChar char="•"/>
+            </a:pPr>
+            <a:r>
+              <a:rPr lang="en-US" dirty="0"/>
+              <a:t>What is a reasonable expectation for predictive accuracy? Presumably 50% accurate is easy to do (random should do that). </a:t>
+            </a:r>
+          </a:p>
+          <a:p>
+            <a:endParaRPr lang="en-US" dirty="0">
+              <a:latin typeface="Arial" panose="020B0604020202020204" pitchFamily="34" charset="0"/>
+              <a:cs typeface="Arial" panose="020B0604020202020204" pitchFamily="34" charset="0"/>
+            </a:endParaRPr>
+          </a:p>
+          <a:p>
+            <a:r>
+              <a:rPr lang="en-US" sz="2000" b="1" dirty="0">
+                <a:latin typeface="Arial" panose="020B0604020202020204" pitchFamily="34" charset="0"/>
+                <a:cs typeface="Arial" panose="020B0604020202020204" pitchFamily="34" charset="0"/>
+              </a:rPr>
+              <a:t>Datasets used:</a:t>
+            </a:r>
+            <a:endParaRPr lang="en-US" sz="2000" dirty="0">
+              <a:latin typeface="Arial" panose="020B0604020202020204" pitchFamily="34" charset="0"/>
+              <a:cs typeface="Arial" panose="020B0604020202020204" pitchFamily="34" charset="0"/>
+            </a:endParaRPr>
+          </a:p>
+          <a:p>
+            <a:r>
+              <a:rPr lang="en-US" dirty="0" err="1">
+                <a:latin typeface="Arial" panose="020B0604020202020204" pitchFamily="34" charset="0"/>
+                <a:cs typeface="Arial" panose="020B0604020202020204" pitchFamily="34" charset="0"/>
+              </a:rPr>
+              <a:t>SeanLahman.com</a:t>
+            </a:r>
+            <a:endParaRPr lang="en-US" dirty="0">
+              <a:latin typeface="Arial" panose="020B0604020202020204" pitchFamily="34" charset="0"/>
+              <a:cs typeface="Arial" panose="020B0604020202020204" pitchFamily="34" charset="0"/>
+            </a:endParaRPr>
+          </a:p>
+          <a:p>
+            <a:pPr lvl="1"/>
+            <a:r>
+              <a:rPr lang="en-US" dirty="0">
+                <a:latin typeface="Arial" panose="020B0604020202020204" pitchFamily="34" charset="0"/>
+                <a:cs typeface="Arial" panose="020B0604020202020204" pitchFamily="34" charset="0"/>
+              </a:rPr>
+              <a:t>-provides rich baseball game outcome for every  MLB game going back to 1881. </a:t>
+            </a:r>
+          </a:p>
+          <a:p>
+            <a:pPr lvl="1"/>
+            <a:r>
+              <a:rPr lang="en-US" dirty="0">
+                <a:latin typeface="Arial" panose="020B0604020202020204" pitchFamily="34" charset="0"/>
+                <a:cs typeface="Arial" panose="020B0604020202020204" pitchFamily="34" charset="0"/>
+              </a:rPr>
+              <a:t>-It includes game outcomes, player data, at bats, pitches.</a:t>
+            </a:r>
+          </a:p>
+          <a:p>
+            <a:pPr lvl="1"/>
+            <a:r>
+              <a:rPr lang="en-US" dirty="0">
+                <a:latin typeface="Arial" panose="020B0604020202020204" pitchFamily="34" charset="0"/>
+                <a:cs typeface="Arial" panose="020B0604020202020204" pitchFamily="34" charset="0"/>
+              </a:rPr>
+              <a:t>-It is available as a CSV file</a:t>
+            </a:r>
+            <a:endParaRPr lang="en-US" dirty="0"/>
+          </a:p>
+          <a:p>
+            <a:pPr lvl="1"/>
+            <a:endParaRPr lang="en-US" dirty="0">
+              <a:latin typeface="Arial" panose="020B0604020202020204" pitchFamily="34" charset="0"/>
+              <a:cs typeface="Arial" panose="020B0604020202020204" pitchFamily="34" charset="0"/>
+            </a:endParaRPr>
+          </a:p>
+          <a:p>
+            <a:endParaRPr lang="en-US" b="0" i="0" dirty="0">
+              <a:effectLst/>
+              <a:latin typeface="Arial" panose="020B0604020202020204" pitchFamily="34" charset="0"/>
+              <a:cs typeface="Arial" panose="020B0604020202020204" pitchFamily="34" charset="0"/>
+            </a:endParaRPr>
+          </a:p>
+        </p:txBody>
+      </p:sp>
+    </p:spTree>
+    <p:extLst>
+      <p:ext uri="{BB962C8B-B14F-4D97-AF65-F5344CB8AC3E}">
+        <p14:creationId xmlns:p14="http://schemas.microsoft.com/office/powerpoint/2010/main" val="1462753047"/>
+      </p:ext>
+    </p:extLst>
+  </p:cSld>
+  <p:clrMapOvr>
+    <a:masterClrMapping/>
+  </p:clrMapOvr>
+</p:sld>
+</file>
+
+<file path=ppt/slides/slide3.xml><?xml version="1.0" encoding="utf-8"?>
+<p:sld xmlns:a="http://schemas.openxmlformats.org/drawingml/2006/main" xmlns:r="http://schemas.openxmlformats.org/officeDocument/2006/relationships" xmlns:p="http://schemas.openxmlformats.org/presentationml/2006/main">
+  <p:cSld>
+    <p:spTree>
+      <p:nvGrpSpPr>
+        <p:cNvPr id="1" name=""/>
+        <p:cNvGrpSpPr/>
+        <p:nvPr/>
+      </p:nvGrpSpPr>
+      <p:grpSpPr>
+        <a:xfrm>
+          <a:off x="0" y="0"/>
+          <a:ext cx="0" cy="0"/>
+          <a:chOff x="0" y="0"/>
+          <a:chExt cx="0" cy="0"/>
+        </a:xfrm>
+      </p:grpSpPr>
+      <p:sp>
+        <p:nvSpPr>
+          <p:cNvPr id="4" name="Rectangle 3">
+            <a:extLst>
+              <a:ext uri="{FF2B5EF4-FFF2-40B4-BE49-F238E27FC236}">
+                <a16:creationId xmlns:a16="http://schemas.microsoft.com/office/drawing/2014/main" id="{9A3998D3-C0FD-CA45-A4B8-13159DE36BDD}"/>
+              </a:ext>
+            </a:extLst>
+          </p:cNvPr>
+          <p:cNvSpPr/>
+          <p:nvPr/>
+        </p:nvSpPr>
+        <p:spPr>
+          <a:xfrm>
+            <a:off x="1347536" y="1450654"/>
+            <a:ext cx="8791073" cy="3139321"/>
+          </a:xfrm>
+          <a:prstGeom prst="rect">
+            <a:avLst/>
+          </a:prstGeom>
+        </p:spPr>
+        <p:txBody>
+          <a:bodyPr wrap="square">
+            <a:spAutoFit/>
+          </a:bodyPr>
+          <a:lstStyle/>
+          <a:p>
+            <a:r>
+              <a:rPr lang="en-US" dirty="0"/>
+              <a:t>Objective: Read the dataset, do a simple prediction for games on a given date using data prior to that date, then and record some stats on how well it did.</a:t>
+            </a:r>
+          </a:p>
+          <a:p>
+            <a:r>
+              <a:rPr lang="en-US" dirty="0"/>
+              <a:t>1. Reads in the 2010 season as the baseline games dataset. It does some simple selection of columns and generates a few calculated fields.</a:t>
+            </a:r>
+          </a:p>
+          <a:p>
+            <a:r>
+              <a:rPr lang="en-US" dirty="0"/>
+              <a:t>2. It prompts the user to specify 'game day' which are the games it is to predict.</a:t>
+            </a:r>
+          </a:p>
+          <a:p>
+            <a:r>
+              <a:rPr lang="en-US" dirty="0"/>
+              <a:t>3. It calculates the avg net number of runs for the home team (when playing at home) and the avg net number of runs for the visiting team (when playing away).</a:t>
+            </a:r>
+          </a:p>
+          <a:p>
+            <a:r>
+              <a:rPr lang="en-US" dirty="0"/>
+              <a:t>4. For a given game, the predicted winner is the team with the greatest avg net runs  home or away (as applicable).</a:t>
+            </a:r>
+          </a:p>
+          <a:p>
+            <a:r>
+              <a:rPr lang="en-US" dirty="0"/>
+              <a:t> 5. The prediction is compared with the actual results that day, with % correct reported.</a:t>
+            </a:r>
+          </a:p>
+          <a:p>
+            <a:endParaRPr lang="en-US" dirty="0"/>
+          </a:p>
+        </p:txBody>
+      </p:sp>
+    </p:spTree>
+    <p:extLst>
+      <p:ext uri="{BB962C8B-B14F-4D97-AF65-F5344CB8AC3E}">
+        <p14:creationId xmlns:p14="http://schemas.microsoft.com/office/powerpoint/2010/main" val="1585535494"/>
+      </p:ext>
+    </p:extLst>
+  </p:cSld>
+  <p:clrMapOvr>
+    <a:masterClrMapping/>
+  </p:clrMapOvr>
+</p:sld>
+</file>
+
+<file path=ppt/slides/slide4.xml><?xml version="1.0" encoding="utf-8"?>
+<p:sld xmlns:a="http://schemas.openxmlformats.org/drawingml/2006/main" xmlns:r="http://schemas.openxmlformats.org/officeDocument/2006/relationships" xmlns:p="http://schemas.openxmlformats.org/presentationml/2006/main">
+  <p:cSld>
+    <p:spTree>
+      <p:nvGrpSpPr>
+        <p:cNvPr id="1" name=""/>
+        <p:cNvGrpSpPr/>
+        <p:nvPr/>
+      </p:nvGrpSpPr>
+      <p:grpSpPr>
+        <a:xfrm>
+          <a:off x="0" y="0"/>
+          <a:ext cx="0" cy="0"/>
+          <a:chOff x="0" y="0"/>
+          <a:chExt cx="0" cy="0"/>
+        </a:xfrm>
+      </p:grpSpPr>
+      <p:sp>
+        <p:nvSpPr>
+          <p:cNvPr id="3" name="Content Placeholder 2">
+            <a:extLst>
+              <a:ext uri="{FF2B5EF4-FFF2-40B4-BE49-F238E27FC236}">
+                <a16:creationId xmlns:a16="http://schemas.microsoft.com/office/drawing/2014/main" id="{F26611E3-2923-454A-B2E2-0FD7E69D8847}"/>
+              </a:ext>
+            </a:extLst>
+          </p:cNvPr>
+          <p:cNvSpPr>
+            <a:spLocks noGrp="1"/>
+          </p:cNvSpPr>
+          <p:nvPr>
+            <p:ph idx="1"/>
+          </p:nvPr>
+        </p:nvSpPr>
+        <p:spPr>
+          <a:xfrm>
+            <a:off x="838200" y="558299"/>
+            <a:ext cx="9335947" cy="5935098"/>
+          </a:xfrm>
+        </p:spPr>
+        <p:txBody>
+          <a:bodyPr>
+            <a:noAutofit/>
+          </a:bodyPr>
+          <a:lstStyle/>
+          <a:p>
+            <a:pPr marL="0" indent="0">
+              <a:buNone/>
+            </a:pPr>
+            <a:r>
+              <a:rPr lang="en-US" sz="1800" dirty="0"/>
+              <a:t>Proposed next steps 2:</a:t>
+            </a:r>
+          </a:p>
+          <a:p>
+            <a:pPr marL="0" indent="0">
+              <a:buNone/>
+            </a:pPr>
+            <a:r>
+              <a:rPr lang="en-US" sz="1800" dirty="0"/>
+              <a:t>1. Integrate Venkat's "</a:t>
+            </a:r>
+            <a:r>
+              <a:rPr lang="en-US" sz="1800" dirty="0" err="1"/>
+              <a:t>concat</a:t>
+            </a:r>
+            <a:r>
+              <a:rPr lang="en-US" sz="1800" dirty="0"/>
+              <a:t>" capability to combine datasets across year blocks to result</a:t>
+            </a:r>
+          </a:p>
+          <a:p>
+            <a:pPr marL="0" indent="0">
+              <a:buNone/>
+            </a:pPr>
+            <a:r>
+              <a:rPr lang="en-US" sz="1800" dirty="0"/>
+              <a:t>in a much larger dataset. Note that for development we may want to keep the dataset</a:t>
+            </a:r>
+          </a:p>
+          <a:p>
+            <a:pPr marL="0" indent="0">
+              <a:buNone/>
+            </a:pPr>
+            <a:r>
+              <a:rPr lang="en-US" sz="1800" dirty="0"/>
+              <a:t>smaller size so that it doesn't take a long time to run.</a:t>
+            </a:r>
+          </a:p>
+          <a:p>
+            <a:pPr marL="0" indent="0">
+              <a:buNone/>
+            </a:pPr>
+            <a:r>
+              <a:rPr lang="en-US" sz="1800" dirty="0"/>
+              <a:t>2. Move this out of </a:t>
+            </a:r>
+            <a:r>
+              <a:rPr lang="en-US" sz="1800" dirty="0" err="1"/>
+              <a:t>jupyter</a:t>
+            </a:r>
+            <a:r>
+              <a:rPr lang="en-US" sz="1800" dirty="0"/>
+              <a:t> notebook into standard Python and embed the prediction logic</a:t>
+            </a:r>
+          </a:p>
+          <a:p>
+            <a:pPr marL="0" indent="0">
+              <a:buNone/>
+            </a:pPr>
+            <a:r>
+              <a:rPr lang="en-US" sz="1800" dirty="0"/>
+              <a:t>into a function that can be called repeatedly with different dates.</a:t>
+            </a:r>
+          </a:p>
+          <a:p>
+            <a:pPr marL="0" indent="0">
+              <a:buNone/>
+            </a:pPr>
+            <a:r>
+              <a:rPr lang="en-US" sz="1800" dirty="0"/>
+              <a:t>3. Run trials with large numbers of dates to product large numbers of predictions and results.</a:t>
+            </a:r>
+          </a:p>
+          <a:p>
+            <a:pPr marL="0" indent="0">
+              <a:buNone/>
+            </a:pPr>
+            <a:r>
+              <a:rPr lang="en-US" sz="1800" dirty="0"/>
+              <a:t>4. Write results to a file. Possibly generate some plot of results as a function of</a:t>
+            </a:r>
+          </a:p>
+          <a:p>
+            <a:pPr marL="0" indent="0">
+              <a:buNone/>
+            </a:pPr>
+            <a:r>
+              <a:rPr lang="en-US" sz="1800" dirty="0"/>
+              <a:t>training set window size.</a:t>
+            </a:r>
+          </a:p>
+          <a:p>
+            <a:pPr marL="0" indent="0">
+              <a:buNone/>
+            </a:pPr>
+            <a:r>
+              <a:rPr lang="en-US" sz="1800" dirty="0"/>
+              <a:t>5. Start experimenting with </a:t>
+            </a:r>
+            <a:r>
+              <a:rPr lang="en-US" sz="1800" dirty="0" err="1"/>
+              <a:t>differnt</a:t>
+            </a:r>
+            <a:r>
+              <a:rPr lang="en-US" sz="1800" dirty="0"/>
+              <a:t> prediction functions, initially across individual</a:t>
+            </a:r>
+          </a:p>
+          <a:p>
+            <a:pPr marL="0" indent="0">
+              <a:buNone/>
+            </a:pPr>
+            <a:r>
+              <a:rPr lang="en-US" sz="1800" dirty="0"/>
+              <a:t>factors, and then with multiple factors.</a:t>
+            </a:r>
+          </a:p>
+          <a:p>
+            <a:pPr marL="0" indent="0">
+              <a:buNone/>
+            </a:pPr>
+            <a:r>
+              <a:rPr lang="en-US" sz="1800" dirty="0"/>
+              <a:t> 6. Consider a statistically meaningful </a:t>
+            </a:r>
+            <a:r>
+              <a:rPr lang="en-US" sz="1800" dirty="0" err="1"/>
+              <a:t>regresssion</a:t>
+            </a:r>
+            <a:r>
+              <a:rPr lang="en-US" sz="1800" dirty="0"/>
+              <a:t> analysis to select factors and training</a:t>
+            </a:r>
+          </a:p>
+          <a:p>
+            <a:pPr marL="0" indent="0">
+              <a:buNone/>
+            </a:pPr>
+            <a:r>
+              <a:rPr lang="en-US" sz="1800" dirty="0"/>
+              <a:t>set window size, by factor.</a:t>
+            </a:r>
+          </a:p>
+          <a:p>
+            <a:pPr marL="0" indent="0">
+              <a:buNone/>
+            </a:pPr>
+            <a:r>
+              <a:rPr lang="en-US" sz="1800" dirty="0"/>
+              <a:t> 7. If someone has energy, consider using a web API to hit a website with current day</a:t>
+            </a:r>
+          </a:p>
+          <a:p>
+            <a:pPr marL="0" indent="0">
+              <a:buNone/>
+            </a:pPr>
+            <a:r>
+              <a:rPr lang="en-US" sz="1800" dirty="0"/>
+              <a:t>game schedule so we can predict games more recent than the dataset.</a:t>
+            </a:r>
+          </a:p>
+        </p:txBody>
+      </p:sp>
+    </p:spTree>
+    <p:extLst>
+      <p:ext uri="{BB962C8B-B14F-4D97-AF65-F5344CB8AC3E}">
+        <p14:creationId xmlns:p14="http://schemas.microsoft.com/office/powerpoint/2010/main" val="280591435"/>
+      </p:ext>
+    </p:extLst>
+  </p:cSld>
+  <p:clrMapOvr>
+    <a:masterClrMapping/>
+  </p:clrMapOvr>
+</p:sld>
+</file>
+
+<file path=ppt/slides/slide5.xml><?xml version="1.0" encoding="utf-8"?>
+<p:sld xmlns:a="http://schemas.openxmlformats.org/drawingml/2006/main" xmlns:r="http://schemas.openxmlformats.org/officeDocument/2006/relationships" xmlns:p="http://schemas.openxmlformats.org/presentationml/2006/main">
+  <p:cSld>
+    <p:spTree>
+      <p:nvGrpSpPr>
+        <p:cNvPr id="1" name=""/>
+        <p:cNvGrpSpPr/>
+        <p:nvPr/>
+      </p:nvGrpSpPr>
+      <p:grpSpPr>
+        <a:xfrm>
+          <a:off x="0" y="0"/>
+          <a:ext cx="0" cy="0"/>
+          <a:chOff x="0" y="0"/>
+          <a:chExt cx="0" cy="0"/>
+        </a:xfrm>
+      </p:grpSpPr>
+      <p:sp>
+        <p:nvSpPr>
+          <p:cNvPr id="3" name="Content Placeholder 2">
+            <a:extLst>
+              <a:ext uri="{FF2B5EF4-FFF2-40B4-BE49-F238E27FC236}">
+                <a16:creationId xmlns:a16="http://schemas.microsoft.com/office/drawing/2014/main" id="{29F12AE4-2FD4-EF48-9833-3E249E40C44A}"/>
+              </a:ext>
+            </a:extLst>
+          </p:cNvPr>
+          <p:cNvSpPr>
+            <a:spLocks noGrp="1"/>
+          </p:cNvSpPr>
+          <p:nvPr>
+            <p:ph idx="1"/>
+          </p:nvPr>
+        </p:nvSpPr>
+        <p:spPr/>
+        <p:txBody>
+          <a:bodyPr>
+            <a:normAutofit fontScale="92500" lnSpcReduction="10000"/>
+          </a:bodyPr>
+          <a:lstStyle/>
+          <a:p>
+            <a:pPr marL="0" indent="0">
+              <a:buNone/>
+            </a:pPr>
+            <a:r>
+              <a:rPr lang="en-US" dirty="0"/>
+              <a:t>Venkat : Modified the code and included the below changes</a:t>
+            </a:r>
+          </a:p>
+          <a:p>
+            <a:pPr marL="0" indent="0">
+              <a:buNone/>
+            </a:pPr>
+            <a:r>
+              <a:rPr lang="en-US" dirty="0"/>
+              <a:t>1. Included the logic to combine all data files into one data frame</a:t>
+            </a:r>
+          </a:p>
+          <a:p>
+            <a:pPr marL="0" indent="0">
+              <a:buNone/>
+            </a:pPr>
+            <a:r>
+              <a:rPr lang="en-US" dirty="0"/>
+              <a:t>2. Included cleanup logic to clean missing data rows if any such rows exists</a:t>
+            </a:r>
+          </a:p>
+          <a:p>
+            <a:endParaRPr lang="en-US" dirty="0"/>
+          </a:p>
+          <a:p>
+            <a:pPr marL="0" indent="0">
+              <a:buNone/>
+            </a:pPr>
+            <a:r>
+              <a:rPr lang="en-US" dirty="0"/>
+              <a:t>Alexis: Extend from "hello-world" to a useful predictor harness.</a:t>
+            </a:r>
+          </a:p>
+          <a:p>
+            <a:pPr marL="0" indent="0">
+              <a:buNone/>
+            </a:pPr>
+            <a:r>
+              <a:rPr lang="en-US" dirty="0"/>
+              <a:t>Implement a window to constrain the lookback period to n gamedays.</a:t>
+            </a:r>
+          </a:p>
+          <a:p>
+            <a:pPr marL="0" indent="0">
+              <a:buNone/>
+            </a:pPr>
+            <a:endParaRPr lang="en-US" dirty="0"/>
+          </a:p>
+          <a:p>
+            <a:pPr marL="0" indent="0">
+              <a:buNone/>
+            </a:pPr>
+            <a:r>
+              <a:rPr lang="en-US" dirty="0"/>
+              <a:t>Venkat: Building the new prediction algorithm.</a:t>
+            </a:r>
+          </a:p>
+          <a:p>
+            <a:pPr marL="0" indent="0">
+              <a:buNone/>
+            </a:pPr>
+            <a:r>
+              <a:rPr lang="en-US" dirty="0"/>
+              <a:t>  Calculate Avg Net runs only for head-head teams, and see if it improves the </a:t>
+            </a:r>
+            <a:r>
+              <a:rPr lang="en-US" dirty="0" err="1"/>
+              <a:t>forecst</a:t>
+            </a:r>
+            <a:r>
+              <a:rPr lang="en-US" dirty="0"/>
+              <a:t> accuracy </a:t>
+            </a:r>
+          </a:p>
+          <a:p>
+            <a:endParaRPr lang="en-US" dirty="0"/>
+          </a:p>
+        </p:txBody>
+      </p:sp>
+    </p:spTree>
+    <p:extLst>
+      <p:ext uri="{BB962C8B-B14F-4D97-AF65-F5344CB8AC3E}">
+        <p14:creationId xmlns:p14="http://schemas.microsoft.com/office/powerpoint/2010/main" val="3836375545"/>
+      </p:ext>
+    </p:extLst>
+  </p:cSld>
+  <p:clrMapOvr>
+    <a:masterClrMapping/>
+  </p:clrMapOvr>
+</p:sld>
+</file>
+
+<file path=ppt/slides/slide6.xml><?xml version="1.0" encoding="utf-8"?>
+<p:sld xmlns:a="http://schemas.openxmlformats.org/drawingml/2006/main" xmlns:r="http://schemas.openxmlformats.org/officeDocument/2006/relationships" xmlns:p="http://schemas.openxmlformats.org/presentationml/2006/main">
+  <p:cSld>
+    <p:spTree>
+      <p:nvGrpSpPr>
+        <p:cNvPr id="1" name=""/>
+        <p:cNvGrpSpPr/>
+        <p:nvPr/>
+      </p:nvGrpSpPr>
+      <p:grpSpPr>
+        <a:xfrm>
+          <a:off x="0" y="0"/>
+          <a:ext cx="0" cy="0"/>
+          <a:chOff x="0" y="0"/>
+          <a:chExt cx="0" cy="0"/>
+        </a:xfrm>
+      </p:grpSpPr>
+      <p:sp>
+        <p:nvSpPr>
+          <p:cNvPr id="3" name="Subtitle 2">
+            <a:extLst>
+              <a:ext uri="{FF2B5EF4-FFF2-40B4-BE49-F238E27FC236}">
+                <a16:creationId xmlns:a16="http://schemas.microsoft.com/office/drawing/2014/main" id="{A316AA91-716F-204E-858C-904CF2B43D72}"/>
+              </a:ext>
+            </a:extLst>
+          </p:cNvPr>
+          <p:cNvSpPr>
+            <a:spLocks noGrp="1"/>
+          </p:cNvSpPr>
+          <p:nvPr>
+            <p:ph type="subTitle" idx="1"/>
+          </p:nvPr>
+        </p:nvSpPr>
+        <p:spPr>
+          <a:xfrm>
+            <a:off x="1524000" y="411423"/>
+            <a:ext cx="8977313" cy="1260215"/>
+          </a:xfrm>
+        </p:spPr>
+        <p:txBody>
+          <a:bodyPr/>
+          <a:lstStyle/>
+          <a:p>
+            <a:r>
+              <a:rPr lang="en-US"/>
+              <a:t>Prediction Performance by Lookback Window </a:t>
+            </a:r>
+            <a:r>
+              <a:rPr lang="en-US" dirty="0"/>
+              <a:t>L</a:t>
+            </a:r>
+            <a:r>
+              <a:rPr lang="en-US"/>
+              <a:t>ength</a:t>
+            </a:r>
+            <a:endParaRPr lang="en-US" dirty="0"/>
           </a:p>
         </p:txBody>
       </p:sp>
@@ -3480,7 +4310,7 @@
         </p:nvSpPr>
         <p:spPr>
           <a:xfrm>
-            <a:off x="8262355" y="3332467"/>
+            <a:off x="1240083" y="5428142"/>
             <a:ext cx="3234899" cy="646331"/>
           </a:xfrm>
           <a:prstGeom prst="rect">
@@ -3495,7 +4325,7 @@
           <a:lstStyle/>
           <a:p>
             <a:r>
-              <a:rPr lang="en-US" dirty="0"/>
+              <a:rPr lang="en-US" b="1" dirty="0"/>
               <a:t>Conclusion</a:t>
             </a:r>
           </a:p>
@@ -3504,6 +4334,66 @@
           </a:p>
         </p:txBody>
       </p:sp>
+      <p:pic>
+        <p:nvPicPr>
+          <p:cNvPr id="4" name="Picture 3" descr="A close up of a map&#10;&#10;Description automatically generated">
+            <a:extLst>
+              <a:ext uri="{FF2B5EF4-FFF2-40B4-BE49-F238E27FC236}">
+                <a16:creationId xmlns:a16="http://schemas.microsoft.com/office/drawing/2014/main" id="{8DB7A2EB-ABAD-FC4E-8F97-83DCF4B166A3}"/>
+              </a:ext>
+            </a:extLst>
+          </p:cNvPr>
+          <p:cNvPicPr>
+            <a:picLocks noChangeAspect="1"/>
+          </p:cNvPicPr>
+          <p:nvPr/>
+        </p:nvPicPr>
+        <p:blipFill>
+          <a:blip r:embed="rId2"/>
+          <a:stretch>
+            <a:fillRect/>
+          </a:stretch>
+        </p:blipFill>
+        <p:spPr>
+          <a:xfrm>
+            <a:off x="6051663" y="1460209"/>
+            <a:ext cx="5704765" cy="3565478"/>
+          </a:xfrm>
+          <a:prstGeom prst="rect">
+            <a:avLst/>
+          </a:prstGeom>
+        </p:spPr>
+      </p:pic>
+      <p:pic>
+        <p:nvPicPr>
+          <p:cNvPr id="7" name="Picture 6" descr="A close up of a map&#10;&#10;Description automatically generated">
+            <a:extLst>
+              <a:ext uri="{FF2B5EF4-FFF2-40B4-BE49-F238E27FC236}">
+                <a16:creationId xmlns:a16="http://schemas.microsoft.com/office/drawing/2014/main" id="{9C55AF6B-FD97-9D4F-B4B0-B4DE67F9239C}"/>
+              </a:ext>
+            </a:extLst>
+          </p:cNvPr>
+          <p:cNvPicPr>
+            <a:picLocks noChangeAspect="1"/>
+          </p:cNvPicPr>
+          <p:nvPr/>
+        </p:nvPicPr>
+        <p:blipFill>
+          <a:blip r:embed="rId3"/>
+          <a:stretch>
+            <a:fillRect/>
+          </a:stretch>
+        </p:blipFill>
+        <p:spPr>
+          <a:xfrm>
+            <a:off x="605651" y="1460209"/>
+            <a:ext cx="5704764" cy="3565478"/>
+          </a:xfrm>
+          <a:prstGeom prst="rect">
+            <a:avLst/>
+          </a:prstGeom>
+        </p:spPr>
+      </p:pic>
     </p:spTree>
     <p:extLst>
       <p:ext uri="{BB962C8B-B14F-4D97-AF65-F5344CB8AC3E}">

--- a/ group Project -Presentation.pptx
+++ b/ group Project -Presentation.pptx
@@ -6,11 +6,11 @@
   </p:sldMasterIdLst>
   <p:sldIdLst>
     <p:sldId id="261" r:id="rId2"/>
-    <p:sldId id="258" r:id="rId3"/>
-    <p:sldId id="257" r:id="rId4"/>
-    <p:sldId id="259" r:id="rId5"/>
-    <p:sldId id="262" r:id="rId6"/>
-    <p:sldId id="256" r:id="rId7"/>
+    <p:sldId id="269" r:id="rId3"/>
+    <p:sldId id="263" r:id="rId4"/>
+    <p:sldId id="264" r:id="rId5"/>
+    <p:sldId id="256" r:id="rId6"/>
+    <p:sldId id="268" r:id="rId7"/>
   </p:sldIdLst>
   <p:sldSz cx="12192000" cy="6858000"/>
   <p:notesSz cx="6858000" cy="9144000"/>
@@ -117,6 +117,32 @@
 </p:presentation>
 </file>
 
+<file path=ppt/commentAuthors.xml><?xml version="1.0" encoding="utf-8"?>
+<p:cmAuthorLst xmlns:a="http://schemas.openxmlformats.org/drawingml/2006/main" xmlns:r="http://schemas.openxmlformats.org/officeDocument/2006/relationships" xmlns:p="http://schemas.openxmlformats.org/presentationml/2006/main">
+  <p:cmAuthor id="1" name="You, Young" initials="YY" lastIdx="1" clrIdx="0">
+    <p:extLst>
+      <p:ext uri="{19B8F6BF-5375-455C-9EA6-DF929625EA0E}">
+        <p15:presenceInfo xmlns:p15="http://schemas.microsoft.com/office/powerpoint/2012/main" userId="S::yoyou@ucsd.edu::9d3e8994-4cb9-4d02-87a2-b89960d0fec3" providerId="AD"/>
+      </p:ext>
+    </p:extLst>
+  </p:cmAuthor>
+</p:cmAuthorLst>
+</file>
+
+<file path=ppt/comments/comment1.xml><?xml version="1.0" encoding="utf-8"?>
+<p:cmLst xmlns:a="http://schemas.openxmlformats.org/drawingml/2006/main" xmlns:r="http://schemas.openxmlformats.org/officeDocument/2006/relationships" xmlns:p="http://schemas.openxmlformats.org/presentationml/2006/main">
+  <p:cm authorId="1" dt="2020-01-10T20:36:24.918" idx="1">
+    <p:pos x="136" y="235"/>
+    <p:text/>
+    <p:extLst>
+      <p:ext uri="{C676402C-5697-4E1C-873F-D02D1690AC5C}">
+        <p15:threadingInfo xmlns:p15="http://schemas.microsoft.com/office/powerpoint/2012/main" timeZoneBias="480"/>
+      </p:ext>
+    </p:extLst>
+  </p:cm>
+</p:cmLst>
+</file>
+
 <file path=ppt/slideLayouts/slideLayout1.xml><?xml version="1.0" encoding="utf-8"?>
 <p:sldLayout xmlns:a="http://schemas.openxmlformats.org/drawingml/2006/main" xmlns:r="http://schemas.openxmlformats.org/officeDocument/2006/relationships" xmlns:p="http://schemas.openxmlformats.org/presentationml/2006/main" type="title" preserve="1">
   <p:cSld name="Title Slide">
@@ -266,7 +292,7 @@
           <a:p>
             <a:fld id="{E5ABCFFC-9D78-1E46-8A03-FDDABF80F747}" type="datetimeFigureOut">
               <a:rPr lang="en-US" smtClean="0"/>
-              <a:t>1/8/20</a:t>
+              <a:t>1/10/20</a:t>
             </a:fld>
             <a:endParaRPr lang="en-US"/>
           </a:p>
@@ -466,7 +492,7 @@
           <a:p>
             <a:fld id="{E5ABCFFC-9D78-1E46-8A03-FDDABF80F747}" type="datetimeFigureOut">
               <a:rPr lang="en-US" smtClean="0"/>
-              <a:t>1/8/20</a:t>
+              <a:t>1/10/20</a:t>
             </a:fld>
             <a:endParaRPr lang="en-US"/>
           </a:p>
@@ -676,7 +702,7 @@
           <a:p>
             <a:fld id="{E5ABCFFC-9D78-1E46-8A03-FDDABF80F747}" type="datetimeFigureOut">
               <a:rPr lang="en-US" smtClean="0"/>
-              <a:t>1/8/20</a:t>
+              <a:t>1/10/20</a:t>
             </a:fld>
             <a:endParaRPr lang="en-US"/>
           </a:p>
@@ -876,7 +902,7 @@
           <a:p>
             <a:fld id="{E5ABCFFC-9D78-1E46-8A03-FDDABF80F747}" type="datetimeFigureOut">
               <a:rPr lang="en-US" smtClean="0"/>
-              <a:t>1/8/20</a:t>
+              <a:t>1/10/20</a:t>
             </a:fld>
             <a:endParaRPr lang="en-US"/>
           </a:p>
@@ -1152,7 +1178,7 @@
           <a:p>
             <a:fld id="{E5ABCFFC-9D78-1E46-8A03-FDDABF80F747}" type="datetimeFigureOut">
               <a:rPr lang="en-US" smtClean="0"/>
-              <a:t>1/8/20</a:t>
+              <a:t>1/10/20</a:t>
             </a:fld>
             <a:endParaRPr lang="en-US"/>
           </a:p>
@@ -1420,7 +1446,7 @@
           <a:p>
             <a:fld id="{E5ABCFFC-9D78-1E46-8A03-FDDABF80F747}" type="datetimeFigureOut">
               <a:rPr lang="en-US" smtClean="0"/>
-              <a:t>1/8/20</a:t>
+              <a:t>1/10/20</a:t>
             </a:fld>
             <a:endParaRPr lang="en-US"/>
           </a:p>
@@ -1835,7 +1861,7 @@
           <a:p>
             <a:fld id="{E5ABCFFC-9D78-1E46-8A03-FDDABF80F747}" type="datetimeFigureOut">
               <a:rPr lang="en-US" smtClean="0"/>
-              <a:t>1/8/20</a:t>
+              <a:t>1/10/20</a:t>
             </a:fld>
             <a:endParaRPr lang="en-US"/>
           </a:p>
@@ -1977,7 +2003,7 @@
           <a:p>
             <a:fld id="{E5ABCFFC-9D78-1E46-8A03-FDDABF80F747}" type="datetimeFigureOut">
               <a:rPr lang="en-US" smtClean="0"/>
-              <a:t>1/8/20</a:t>
+              <a:t>1/10/20</a:t>
             </a:fld>
             <a:endParaRPr lang="en-US"/>
           </a:p>
@@ -2090,7 +2116,7 @@
           <a:p>
             <a:fld id="{E5ABCFFC-9D78-1E46-8A03-FDDABF80F747}" type="datetimeFigureOut">
               <a:rPr lang="en-US" smtClean="0"/>
-              <a:t>1/8/20</a:t>
+              <a:t>1/10/20</a:t>
             </a:fld>
             <a:endParaRPr lang="en-US"/>
           </a:p>
@@ -2403,7 +2429,7 @@
           <a:p>
             <a:fld id="{E5ABCFFC-9D78-1E46-8A03-FDDABF80F747}" type="datetimeFigureOut">
               <a:rPr lang="en-US" smtClean="0"/>
-              <a:t>1/8/20</a:t>
+              <a:t>1/10/20</a:t>
             </a:fld>
             <a:endParaRPr lang="en-US"/>
           </a:p>
@@ -2692,7 +2718,7 @@
           <a:p>
             <a:fld id="{E5ABCFFC-9D78-1E46-8A03-FDDABF80F747}" type="datetimeFigureOut">
               <a:rPr lang="en-US" smtClean="0"/>
-              <a:t>1/8/20</a:t>
+              <a:t>1/10/20</a:t>
             </a:fld>
             <a:endParaRPr lang="en-US"/>
           </a:p>
@@ -2935,7 +2961,7 @@
           <a:p>
             <a:fld id="{E5ABCFFC-9D78-1E46-8A03-FDDABF80F747}" type="datetimeFigureOut">
               <a:rPr lang="en-US" smtClean="0"/>
-              <a:t>1/8/20</a:t>
+              <a:t>1/10/20</a:t>
             </a:fld>
             <a:endParaRPr lang="en-US"/>
           </a:p>
@@ -3553,221 +3579,731 @@
       </p:grpSpPr>
       <p:sp>
         <p:nvSpPr>
-          <p:cNvPr id="4" name="Rectangle 3">
-            <a:extLst>
-              <a:ext uri="{FF2B5EF4-FFF2-40B4-BE49-F238E27FC236}">
-                <a16:creationId xmlns:a16="http://schemas.microsoft.com/office/drawing/2014/main" id="{F8A7BE89-8B36-3145-AC14-B18E6B967D1A}"/>
-              </a:ext>
-            </a:extLst>
-          </p:cNvPr>
-          <p:cNvSpPr/>
-          <p:nvPr/>
+          <p:cNvPr id="2" name="Title 1">
+            <a:extLst>
+              <a:ext uri="{FF2B5EF4-FFF2-40B4-BE49-F238E27FC236}">
+                <a16:creationId xmlns:a16="http://schemas.microsoft.com/office/drawing/2014/main" id="{9A2D10DB-31EF-F145-86E0-D0DC97F3871A}"/>
+              </a:ext>
+            </a:extLst>
+          </p:cNvPr>
+          <p:cNvSpPr>
+            <a:spLocks noGrp="1"/>
+          </p:cNvSpPr>
+          <p:nvPr>
+            <p:ph type="title"/>
+          </p:nvPr>
         </p:nvSpPr>
         <p:spPr>
           <a:xfrm>
-            <a:off x="1063084" y="223023"/>
-            <a:ext cx="9419061" cy="6278642"/>
+            <a:off x="-1077991" y="2798390"/>
+            <a:ext cx="3880005" cy="734913"/>
+          </a:xfrm>
+        </p:spPr>
+        <p:txBody>
+          <a:bodyPr>
+            <a:normAutofit fontScale="90000"/>
+          </a:bodyPr>
+          <a:lstStyle/>
+          <a:p>
+            <a:pPr algn="ctr"/>
+            <a:r>
+              <a:rPr lang="en-US" dirty="0"/>
+              <a:t>MLB</a:t>
+            </a:r>
+            <a:br>
+              <a:rPr lang="en-US" dirty="0"/>
+            </a:br>
+            <a:endParaRPr lang="en-US" dirty="0"/>
+          </a:p>
+        </p:txBody>
+      </p:sp>
+      <p:pic>
+        <p:nvPicPr>
+          <p:cNvPr id="5" name="Content Placeholder 4" descr="A screenshot of a cell phone&#10;&#10;Description automatically generated">
+            <a:extLst>
+              <a:ext uri="{FF2B5EF4-FFF2-40B4-BE49-F238E27FC236}">
+                <a16:creationId xmlns:a16="http://schemas.microsoft.com/office/drawing/2014/main" id="{6427A8AA-48B6-8942-85DE-CE90498DA7FD}"/>
+              </a:ext>
+            </a:extLst>
+          </p:cNvPr>
+          <p:cNvPicPr>
+            <a:picLocks noGrp="1" noChangeAspect="1"/>
+          </p:cNvPicPr>
+          <p:nvPr>
+            <p:ph idx="1"/>
+          </p:nvPr>
+        </p:nvPicPr>
+        <p:blipFill>
+          <a:blip r:embed="rId2"/>
+          <a:stretch>
+            <a:fillRect/>
+          </a:stretch>
+        </p:blipFill>
+        <p:spPr>
+          <a:xfrm>
+            <a:off x="3921316" y="510456"/>
+            <a:ext cx="7408672" cy="4397233"/>
+          </a:xfrm>
+        </p:spPr>
+      </p:pic>
+      <p:sp>
+        <p:nvSpPr>
+          <p:cNvPr id="6" name="TextBox 5">
+            <a:extLst>
+              <a:ext uri="{FF2B5EF4-FFF2-40B4-BE49-F238E27FC236}">
+                <a16:creationId xmlns:a16="http://schemas.microsoft.com/office/drawing/2014/main" id="{3E8F8000-D341-4240-B111-C361E552DE59}"/>
+              </a:ext>
+            </a:extLst>
+          </p:cNvPr>
+          <p:cNvSpPr txBox="1"/>
+          <p:nvPr/>
+        </p:nvSpPr>
+        <p:spPr>
+          <a:xfrm>
+            <a:off x="4564370" y="5295627"/>
+            <a:ext cx="5794067" cy="923330"/>
           </a:xfrm>
           <a:prstGeom prst="rect">
             <a:avLst/>
           </a:prstGeom>
+          <a:noFill/>
         </p:spPr>
         <p:txBody>
-          <a:bodyPr wrap="square">
+          <a:bodyPr wrap="square" rtlCol="0">
             <a:spAutoFit/>
           </a:bodyPr>
           <a:lstStyle/>
           <a:p>
-            <a:endParaRPr lang="en-US" dirty="0">
-              <a:latin typeface="Arial" panose="020B0604020202020204" pitchFamily="34" charset="0"/>
-              <a:cs typeface="Arial" panose="020B0604020202020204" pitchFamily="34" charset="0"/>
-            </a:endParaRPr>
-          </a:p>
-          <a:p>
-            <a:r>
-              <a:rPr lang="en-US" sz="2000" b="1" dirty="0">
-                <a:latin typeface="Arial" panose="020B0604020202020204" pitchFamily="34" charset="0"/>
-                <a:cs typeface="Arial" panose="020B0604020202020204" pitchFamily="34" charset="0"/>
-              </a:rPr>
-              <a:t>Project Objective:</a:t>
-            </a:r>
-          </a:p>
-          <a:p>
+            <a:r>
+              <a:rPr lang="en-US" b="1" dirty="0"/>
+              <a:t>162 games </a:t>
+            </a:r>
             <a:r>
               <a:rPr lang="en-US" dirty="0"/>
-              <a:t>Build a predictive model that can predict the winner of an MLB game, before it starts.</a:t>
-            </a:r>
-          </a:p>
-          <a:p>
-            <a:endParaRPr lang="en-US" dirty="0">
-              <a:latin typeface="Arial" panose="020B0604020202020204" pitchFamily="34" charset="0"/>
-              <a:cs typeface="Arial" panose="020B0604020202020204" pitchFamily="34" charset="0"/>
-            </a:endParaRPr>
-          </a:p>
-          <a:p>
-            <a:r>
-              <a:rPr lang="en-US" sz="2000" b="1" dirty="0">
-                <a:latin typeface="Arial" panose="020B0604020202020204" pitchFamily="34" charset="0"/>
-                <a:cs typeface="Arial" panose="020B0604020202020204" pitchFamily="34" charset="0"/>
-              </a:rPr>
-              <a:t>Project Description/Outline:</a:t>
-            </a:r>
-          </a:p>
-          <a:p>
-            <a:pPr marL="285750" indent="-285750">
-              <a:buFont typeface="Arial" panose="020B0604020202020204" pitchFamily="34" charset="0"/>
-              <a:buChar char="•"/>
-            </a:pPr>
+              <a:t>for each of the </a:t>
+            </a:r>
+            <a:r>
+              <a:rPr lang="en-US" b="1" dirty="0"/>
+              <a:t>30</a:t>
+            </a:r>
             <a:r>
               <a:rPr lang="en-US" dirty="0"/>
-              <a:t>Brainstorm the concept</a:t>
-            </a:r>
-          </a:p>
-          <a:p>
-            <a:pPr marL="285750" indent="-285750">
-              <a:buFont typeface="Arial" panose="020B0604020202020204" pitchFamily="34" charset="0"/>
-              <a:buChar char="•"/>
-            </a:pPr>
+              <a:t> teams</a:t>
+            </a:r>
+          </a:p>
+          <a:p>
             <a:r>
               <a:rPr lang="en-US" dirty="0"/>
-              <a:t>Browse the dataset</a:t>
-            </a:r>
-          </a:p>
-          <a:p>
-            <a:pPr marL="285750" indent="-285750">
-              <a:buFont typeface="Arial" panose="020B0604020202020204" pitchFamily="34" charset="0"/>
-              <a:buChar char="•"/>
-            </a:pPr>
+              <a:t>played over approximately six months</a:t>
+            </a:r>
+          </a:p>
+          <a:p>
             <a:r>
               <a:rPr lang="en-US" dirty="0"/>
-              <a:t>Evaluate which factors drive runs</a:t>
-            </a:r>
-          </a:p>
-          <a:p>
-            <a:pPr marL="285750" indent="-285750">
-              <a:buFont typeface="Arial" panose="020B0604020202020204" pitchFamily="34" charset="0"/>
-              <a:buChar char="•"/>
-            </a:pPr>
+              <a:t>a total of </a:t>
+            </a:r>
+            <a:r>
+              <a:rPr lang="en-US" b="1" dirty="0"/>
+              <a:t>2,430 games</a:t>
+            </a:r>
             <a:r>
               <a:rPr lang="en-US" dirty="0"/>
-              <a:t>Build a simple 1 or 2 factor predictive model. Evaluate it.</a:t>
-            </a:r>
-          </a:p>
-          <a:p>
-            <a:endParaRPr lang="en-US" dirty="0">
-              <a:latin typeface="Arial" panose="020B0604020202020204" pitchFamily="34" charset="0"/>
-              <a:cs typeface="Arial" panose="020B0604020202020204" pitchFamily="34" charset="0"/>
-            </a:endParaRPr>
-          </a:p>
-          <a:p>
-            <a:r>
-              <a:rPr lang="en-US" b="1" dirty="0"/>
-              <a:t>Research Questions to Answer</a:t>
-            </a:r>
-          </a:p>
-          <a:p>
-            <a:pPr marL="285750" indent="-285750">
-              <a:buFont typeface="Arial" panose="020B0604020202020204" pitchFamily="34" charset="0"/>
-              <a:buChar char="•"/>
-            </a:pPr>
+              <a:t>, plus the postseason</a:t>
+            </a:r>
+          </a:p>
+        </p:txBody>
+      </p:sp>
+      <p:sp>
+        <p:nvSpPr>
+          <p:cNvPr id="7" name="TextBox 6">
+            <a:extLst>
+              <a:ext uri="{FF2B5EF4-FFF2-40B4-BE49-F238E27FC236}">
+                <a16:creationId xmlns:a16="http://schemas.microsoft.com/office/drawing/2014/main" id="{22D60E3A-C6BB-3746-9E65-3497A93E876D}"/>
+              </a:ext>
+            </a:extLst>
+          </p:cNvPr>
+          <p:cNvSpPr txBox="1"/>
+          <p:nvPr/>
+        </p:nvSpPr>
+        <p:spPr>
+          <a:xfrm>
+            <a:off x="1976378" y="1446285"/>
+            <a:ext cx="1801775" cy="369332"/>
+          </a:xfrm>
+          <a:prstGeom prst="rect">
+            <a:avLst/>
+          </a:prstGeom>
+          <a:noFill/>
+        </p:spPr>
+        <p:txBody>
+          <a:bodyPr wrap="none" rtlCol="0">
+            <a:spAutoFit/>
+          </a:bodyPr>
+          <a:lstStyle/>
+          <a:p>
             <a:r>
               <a:rPr lang="en-US" dirty="0"/>
-              <a:t>What factors drive runs and game outcomes?</a:t>
-            </a:r>
-          </a:p>
-          <a:p>
-            <a:pPr marL="285750" indent="-285750">
-              <a:buFont typeface="Arial" panose="020B0604020202020204" pitchFamily="34" charset="0"/>
-              <a:buChar char="•"/>
-            </a:pPr>
+              <a:t>American League</a:t>
+            </a:r>
+            <a:endParaRPr lang="en-US" b="1" dirty="0"/>
+          </a:p>
+        </p:txBody>
+      </p:sp>
+      <p:sp>
+        <p:nvSpPr>
+          <p:cNvPr id="8" name="TextBox 7">
+            <a:extLst>
+              <a:ext uri="{FF2B5EF4-FFF2-40B4-BE49-F238E27FC236}">
+                <a16:creationId xmlns:a16="http://schemas.microsoft.com/office/drawing/2014/main" id="{291C3D48-C32E-5A46-92DC-515B7C5B6AE0}"/>
+              </a:ext>
+            </a:extLst>
+          </p:cNvPr>
+          <p:cNvSpPr txBox="1"/>
+          <p:nvPr/>
+        </p:nvSpPr>
+        <p:spPr>
+          <a:xfrm>
+            <a:off x="1976378" y="3692153"/>
+            <a:ext cx="1702197" cy="369332"/>
+          </a:xfrm>
+          <a:prstGeom prst="rect">
+            <a:avLst/>
+          </a:prstGeom>
+          <a:noFill/>
+        </p:spPr>
+        <p:txBody>
+          <a:bodyPr wrap="none" rtlCol="0">
+            <a:spAutoFit/>
+          </a:bodyPr>
+          <a:lstStyle/>
+          <a:p>
             <a:r>
               <a:rPr lang="en-US" dirty="0"/>
-              <a:t>What is a reasonable expectation for predictive accuracy? Presumably 50% accurate is easy to do (random should do that). </a:t>
-            </a:r>
-          </a:p>
-          <a:p>
-            <a:endParaRPr lang="en-US" dirty="0">
-              <a:latin typeface="Arial" panose="020B0604020202020204" pitchFamily="34" charset="0"/>
-              <a:cs typeface="Arial" panose="020B0604020202020204" pitchFamily="34" charset="0"/>
-            </a:endParaRPr>
-          </a:p>
-          <a:p>
-            <a:r>
-              <a:rPr lang="en-US" sz="2000" b="1" dirty="0">
-                <a:latin typeface="Arial" panose="020B0604020202020204" pitchFamily="34" charset="0"/>
-                <a:cs typeface="Arial" panose="020B0604020202020204" pitchFamily="34" charset="0"/>
-              </a:rPr>
-              <a:t>Datasets used:</a:t>
-            </a:r>
-            <a:endParaRPr lang="en-US" sz="2000" dirty="0">
-              <a:latin typeface="Arial" panose="020B0604020202020204" pitchFamily="34" charset="0"/>
-              <a:cs typeface="Arial" panose="020B0604020202020204" pitchFamily="34" charset="0"/>
-            </a:endParaRPr>
-          </a:p>
-          <a:p>
-            <a:r>
-              <a:rPr lang="en-US" dirty="0" err="1">
-                <a:latin typeface="Arial" panose="020B0604020202020204" pitchFamily="34" charset="0"/>
-                <a:cs typeface="Arial" panose="020B0604020202020204" pitchFamily="34" charset="0"/>
-              </a:rPr>
-              <a:t>SeanLahman.com</a:t>
-            </a:r>
-            <a:endParaRPr lang="en-US" dirty="0">
-              <a:latin typeface="Arial" panose="020B0604020202020204" pitchFamily="34" charset="0"/>
-              <a:cs typeface="Arial" panose="020B0604020202020204" pitchFamily="34" charset="0"/>
-            </a:endParaRPr>
-          </a:p>
-          <a:p>
-            <a:pPr lvl="1"/>
-            <a:r>
-              <a:rPr lang="en-US" dirty="0">
-                <a:latin typeface="Arial" panose="020B0604020202020204" pitchFamily="34" charset="0"/>
-                <a:cs typeface="Arial" panose="020B0604020202020204" pitchFamily="34" charset="0"/>
-              </a:rPr>
-              <a:t>-provides rich baseball game outcome for every  MLB game going back to 1881. </a:t>
-            </a:r>
-          </a:p>
-          <a:p>
-            <a:pPr lvl="1"/>
-            <a:r>
-              <a:rPr lang="en-US" dirty="0">
-                <a:latin typeface="Arial" panose="020B0604020202020204" pitchFamily="34" charset="0"/>
-                <a:cs typeface="Arial" panose="020B0604020202020204" pitchFamily="34" charset="0"/>
-              </a:rPr>
-              <a:t>-It includes game outcomes, player data, at bats, pitches.</a:t>
-            </a:r>
-          </a:p>
-          <a:p>
-            <a:pPr lvl="1"/>
-            <a:r>
-              <a:rPr lang="en-US" dirty="0">
-                <a:latin typeface="Arial" panose="020B0604020202020204" pitchFamily="34" charset="0"/>
-                <a:cs typeface="Arial" panose="020B0604020202020204" pitchFamily="34" charset="0"/>
-              </a:rPr>
-              <a:t>-It is available as a CSV file</a:t>
-            </a:r>
-            <a:endParaRPr lang="en-US" dirty="0"/>
-          </a:p>
-          <a:p>
-            <a:pPr lvl="1"/>
-            <a:endParaRPr lang="en-US" dirty="0">
-              <a:latin typeface="Arial" panose="020B0604020202020204" pitchFamily="34" charset="0"/>
-              <a:cs typeface="Arial" panose="020B0604020202020204" pitchFamily="34" charset="0"/>
-            </a:endParaRPr>
-          </a:p>
-          <a:p>
-            <a:endParaRPr lang="en-US" b="0" i="0" dirty="0">
-              <a:effectLst/>
-              <a:latin typeface="Arial" panose="020B0604020202020204" pitchFamily="34" charset="0"/>
-              <a:cs typeface="Arial" panose="020B0604020202020204" pitchFamily="34" charset="0"/>
-            </a:endParaRPr>
-          </a:p>
-        </p:txBody>
-      </p:sp>
+              <a:t>National League</a:t>
+            </a:r>
+          </a:p>
+        </p:txBody>
+      </p:sp>
+      <p:cxnSp>
+        <p:nvCxnSpPr>
+          <p:cNvPr id="13" name="Straight Connector 12">
+            <a:extLst>
+              <a:ext uri="{FF2B5EF4-FFF2-40B4-BE49-F238E27FC236}">
+                <a16:creationId xmlns:a16="http://schemas.microsoft.com/office/drawing/2014/main" id="{88EDE275-2BE7-B146-A8FD-17CBD9B59CA1}"/>
+              </a:ext>
+            </a:extLst>
+          </p:cNvPr>
+          <p:cNvCxnSpPr>
+            <a:cxnSpLocks/>
+          </p:cNvCxnSpPr>
+          <p:nvPr/>
+        </p:nvCxnSpPr>
+        <p:spPr>
+          <a:xfrm flipH="1">
+            <a:off x="1714499" y="1630951"/>
+            <a:ext cx="9456" cy="2274444"/>
+          </a:xfrm>
+          <a:prstGeom prst="line">
+            <a:avLst/>
+          </a:prstGeom>
+          <a:ln w="28575">
+            <a:solidFill>
+              <a:schemeClr val="tx1"/>
+            </a:solidFill>
+          </a:ln>
+        </p:spPr>
+        <p:style>
+          <a:lnRef idx="1">
+            <a:schemeClr val="accent1"/>
+          </a:lnRef>
+          <a:fillRef idx="0">
+            <a:schemeClr val="accent1"/>
+          </a:fillRef>
+          <a:effectRef idx="0">
+            <a:schemeClr val="accent1"/>
+          </a:effectRef>
+          <a:fontRef idx="minor">
+            <a:schemeClr val="tx1"/>
+          </a:fontRef>
+        </p:style>
+      </p:cxnSp>
+      <p:cxnSp>
+        <p:nvCxnSpPr>
+          <p:cNvPr id="14" name="Straight Connector 13">
+            <a:extLst>
+              <a:ext uri="{FF2B5EF4-FFF2-40B4-BE49-F238E27FC236}">
+                <a16:creationId xmlns:a16="http://schemas.microsoft.com/office/drawing/2014/main" id="{19FDA379-FB5E-C14E-A016-6BFC2860F0DA}"/>
+              </a:ext>
+            </a:extLst>
+          </p:cNvPr>
+          <p:cNvCxnSpPr>
+            <a:cxnSpLocks/>
+          </p:cNvCxnSpPr>
+          <p:nvPr/>
+        </p:nvCxnSpPr>
+        <p:spPr>
+          <a:xfrm>
+            <a:off x="1385829" y="2822606"/>
+            <a:ext cx="314384" cy="0"/>
+          </a:xfrm>
+          <a:prstGeom prst="line">
+            <a:avLst/>
+          </a:prstGeom>
+          <a:ln w="28575">
+            <a:solidFill>
+              <a:schemeClr val="tx1"/>
+            </a:solidFill>
+          </a:ln>
+        </p:spPr>
+        <p:style>
+          <a:lnRef idx="1">
+            <a:schemeClr val="accent1"/>
+          </a:lnRef>
+          <a:fillRef idx="0">
+            <a:schemeClr val="accent1"/>
+          </a:fillRef>
+          <a:effectRef idx="0">
+            <a:schemeClr val="accent1"/>
+          </a:effectRef>
+          <a:fontRef idx="minor">
+            <a:schemeClr val="tx1"/>
+          </a:fontRef>
+        </p:style>
+      </p:cxnSp>
+      <p:cxnSp>
+        <p:nvCxnSpPr>
+          <p:cNvPr id="26" name="Straight Connector 25">
+            <a:extLst>
+              <a:ext uri="{FF2B5EF4-FFF2-40B4-BE49-F238E27FC236}">
+                <a16:creationId xmlns:a16="http://schemas.microsoft.com/office/drawing/2014/main" id="{F29B3DA8-C8C3-3F4C-A3A5-708F8034296C}"/>
+              </a:ext>
+            </a:extLst>
+          </p:cNvPr>
+          <p:cNvCxnSpPr>
+            <a:cxnSpLocks/>
+          </p:cNvCxnSpPr>
+          <p:nvPr/>
+        </p:nvCxnSpPr>
+        <p:spPr>
+          <a:xfrm>
+            <a:off x="1723956" y="3886877"/>
+            <a:ext cx="152400" cy="0"/>
+          </a:xfrm>
+          <a:prstGeom prst="line">
+            <a:avLst/>
+          </a:prstGeom>
+          <a:ln w="28575">
+            <a:solidFill>
+              <a:schemeClr val="tx1"/>
+            </a:solidFill>
+          </a:ln>
+        </p:spPr>
+        <p:style>
+          <a:lnRef idx="1">
+            <a:schemeClr val="accent1"/>
+          </a:lnRef>
+          <a:fillRef idx="0">
+            <a:schemeClr val="accent1"/>
+          </a:fillRef>
+          <a:effectRef idx="0">
+            <a:schemeClr val="accent1"/>
+          </a:effectRef>
+          <a:fontRef idx="minor">
+            <a:schemeClr val="tx1"/>
+          </a:fontRef>
+        </p:style>
+      </p:cxnSp>
+      <p:cxnSp>
+        <p:nvCxnSpPr>
+          <p:cNvPr id="28" name="Straight Connector 27">
+            <a:extLst>
+              <a:ext uri="{FF2B5EF4-FFF2-40B4-BE49-F238E27FC236}">
+                <a16:creationId xmlns:a16="http://schemas.microsoft.com/office/drawing/2014/main" id="{24F01FB4-E043-5848-911B-ACCEF4EA49F3}"/>
+              </a:ext>
+            </a:extLst>
+          </p:cNvPr>
+          <p:cNvCxnSpPr>
+            <a:cxnSpLocks/>
+          </p:cNvCxnSpPr>
+          <p:nvPr/>
+        </p:nvCxnSpPr>
+        <p:spPr>
+          <a:xfrm>
+            <a:off x="1714501" y="1643714"/>
+            <a:ext cx="204728" cy="0"/>
+          </a:xfrm>
+          <a:prstGeom prst="line">
+            <a:avLst/>
+          </a:prstGeom>
+          <a:ln w="28575">
+            <a:solidFill>
+              <a:schemeClr val="tx1"/>
+            </a:solidFill>
+          </a:ln>
+        </p:spPr>
+        <p:style>
+          <a:lnRef idx="1">
+            <a:schemeClr val="accent1"/>
+          </a:lnRef>
+          <a:fillRef idx="0">
+            <a:schemeClr val="accent1"/>
+          </a:fillRef>
+          <a:effectRef idx="0">
+            <a:schemeClr val="accent1"/>
+          </a:effectRef>
+          <a:fontRef idx="minor">
+            <a:schemeClr val="tx1"/>
+          </a:fontRef>
+        </p:style>
+      </p:cxnSp>
+      <p:cxnSp>
+        <p:nvCxnSpPr>
+          <p:cNvPr id="30" name="Straight Connector 29">
+            <a:extLst>
+              <a:ext uri="{FF2B5EF4-FFF2-40B4-BE49-F238E27FC236}">
+                <a16:creationId xmlns:a16="http://schemas.microsoft.com/office/drawing/2014/main" id="{24A880CB-5043-914B-88BC-302186CF8A83}"/>
+              </a:ext>
+            </a:extLst>
+          </p:cNvPr>
+          <p:cNvCxnSpPr>
+            <a:cxnSpLocks/>
+          </p:cNvCxnSpPr>
+          <p:nvPr/>
+        </p:nvCxnSpPr>
+        <p:spPr>
+          <a:xfrm>
+            <a:off x="3930774" y="3224031"/>
+            <a:ext cx="0" cy="1433696"/>
+          </a:xfrm>
+          <a:prstGeom prst="line">
+            <a:avLst/>
+          </a:prstGeom>
+          <a:ln w="28575">
+            <a:solidFill>
+              <a:schemeClr val="tx1"/>
+            </a:solidFill>
+          </a:ln>
+        </p:spPr>
+        <p:style>
+          <a:lnRef idx="1">
+            <a:schemeClr val="accent1"/>
+          </a:lnRef>
+          <a:fillRef idx="0">
+            <a:schemeClr val="accent1"/>
+          </a:fillRef>
+          <a:effectRef idx="0">
+            <a:schemeClr val="accent1"/>
+          </a:effectRef>
+          <a:fontRef idx="minor">
+            <a:schemeClr val="tx1"/>
+          </a:fontRef>
+        </p:style>
+      </p:cxnSp>
+      <p:cxnSp>
+        <p:nvCxnSpPr>
+          <p:cNvPr id="31" name="Straight Connector 30">
+            <a:extLst>
+              <a:ext uri="{FF2B5EF4-FFF2-40B4-BE49-F238E27FC236}">
+                <a16:creationId xmlns:a16="http://schemas.microsoft.com/office/drawing/2014/main" id="{E3E2BEF5-C412-D741-BA46-480B4731531F}"/>
+              </a:ext>
+            </a:extLst>
+          </p:cNvPr>
+          <p:cNvCxnSpPr>
+            <a:cxnSpLocks/>
+          </p:cNvCxnSpPr>
+          <p:nvPr/>
+        </p:nvCxnSpPr>
+        <p:spPr>
+          <a:xfrm>
+            <a:off x="3692863" y="3876819"/>
+            <a:ext cx="228456" cy="2591"/>
+          </a:xfrm>
+          <a:prstGeom prst="line">
+            <a:avLst/>
+          </a:prstGeom>
+          <a:ln w="28575">
+            <a:solidFill>
+              <a:schemeClr val="tx1"/>
+            </a:solidFill>
+          </a:ln>
+        </p:spPr>
+        <p:style>
+          <a:lnRef idx="1">
+            <a:schemeClr val="accent1"/>
+          </a:lnRef>
+          <a:fillRef idx="0">
+            <a:schemeClr val="accent1"/>
+          </a:fillRef>
+          <a:effectRef idx="0">
+            <a:schemeClr val="accent1"/>
+          </a:effectRef>
+          <a:fontRef idx="minor">
+            <a:schemeClr val="tx1"/>
+          </a:fontRef>
+        </p:style>
+      </p:cxnSp>
+      <p:cxnSp>
+        <p:nvCxnSpPr>
+          <p:cNvPr id="32" name="Straight Connector 31">
+            <a:extLst>
+              <a:ext uri="{FF2B5EF4-FFF2-40B4-BE49-F238E27FC236}">
+                <a16:creationId xmlns:a16="http://schemas.microsoft.com/office/drawing/2014/main" id="{C60DE429-F0DD-3949-A089-3D322D82D351}"/>
+              </a:ext>
+            </a:extLst>
+          </p:cNvPr>
+          <p:cNvCxnSpPr>
+            <a:cxnSpLocks/>
+          </p:cNvCxnSpPr>
+          <p:nvPr/>
+        </p:nvCxnSpPr>
+        <p:spPr>
+          <a:xfrm>
+            <a:off x="3930774" y="4657930"/>
+            <a:ext cx="152400" cy="0"/>
+          </a:xfrm>
+          <a:prstGeom prst="line">
+            <a:avLst/>
+          </a:prstGeom>
+          <a:ln w="28575">
+            <a:solidFill>
+              <a:schemeClr val="tx1"/>
+            </a:solidFill>
+          </a:ln>
+        </p:spPr>
+        <p:style>
+          <a:lnRef idx="1">
+            <a:schemeClr val="accent1"/>
+          </a:lnRef>
+          <a:fillRef idx="0">
+            <a:schemeClr val="accent1"/>
+          </a:fillRef>
+          <a:effectRef idx="0">
+            <a:schemeClr val="accent1"/>
+          </a:effectRef>
+          <a:fontRef idx="minor">
+            <a:schemeClr val="tx1"/>
+          </a:fontRef>
+        </p:style>
+      </p:cxnSp>
+      <p:cxnSp>
+        <p:nvCxnSpPr>
+          <p:cNvPr id="33" name="Straight Connector 32">
+            <a:extLst>
+              <a:ext uri="{FF2B5EF4-FFF2-40B4-BE49-F238E27FC236}">
+                <a16:creationId xmlns:a16="http://schemas.microsoft.com/office/drawing/2014/main" id="{9E58450D-BAEC-0D49-A321-3B3D32D4A4E3}"/>
+              </a:ext>
+            </a:extLst>
+          </p:cNvPr>
+          <p:cNvCxnSpPr>
+            <a:cxnSpLocks/>
+          </p:cNvCxnSpPr>
+          <p:nvPr/>
+        </p:nvCxnSpPr>
+        <p:spPr>
+          <a:xfrm>
+            <a:off x="3921316" y="3224031"/>
+            <a:ext cx="204728" cy="0"/>
+          </a:xfrm>
+          <a:prstGeom prst="line">
+            <a:avLst/>
+          </a:prstGeom>
+          <a:ln w="28575">
+            <a:solidFill>
+              <a:schemeClr val="tx1"/>
+            </a:solidFill>
+          </a:ln>
+        </p:spPr>
+        <p:style>
+          <a:lnRef idx="1">
+            <a:schemeClr val="accent1"/>
+          </a:lnRef>
+          <a:fillRef idx="0">
+            <a:schemeClr val="accent1"/>
+          </a:fillRef>
+          <a:effectRef idx="0">
+            <a:schemeClr val="accent1"/>
+          </a:effectRef>
+          <a:fontRef idx="minor">
+            <a:schemeClr val="tx1"/>
+          </a:fontRef>
+        </p:style>
+      </p:cxnSp>
+      <p:cxnSp>
+        <p:nvCxnSpPr>
+          <p:cNvPr id="40" name="Straight Connector 39">
+            <a:extLst>
+              <a:ext uri="{FF2B5EF4-FFF2-40B4-BE49-F238E27FC236}">
+                <a16:creationId xmlns:a16="http://schemas.microsoft.com/office/drawing/2014/main" id="{E69523AF-1EF5-0940-9FEA-45284AF415FE}"/>
+              </a:ext>
+            </a:extLst>
+          </p:cNvPr>
+          <p:cNvCxnSpPr>
+            <a:cxnSpLocks/>
+          </p:cNvCxnSpPr>
+          <p:nvPr/>
+        </p:nvCxnSpPr>
+        <p:spPr>
+          <a:xfrm>
+            <a:off x="3911718" y="947551"/>
+            <a:ext cx="0" cy="1433696"/>
+          </a:xfrm>
+          <a:prstGeom prst="line">
+            <a:avLst/>
+          </a:prstGeom>
+          <a:ln w="28575">
+            <a:solidFill>
+              <a:schemeClr val="tx1"/>
+            </a:solidFill>
+          </a:ln>
+        </p:spPr>
+        <p:style>
+          <a:lnRef idx="1">
+            <a:schemeClr val="accent1"/>
+          </a:lnRef>
+          <a:fillRef idx="0">
+            <a:schemeClr val="accent1"/>
+          </a:fillRef>
+          <a:effectRef idx="0">
+            <a:schemeClr val="accent1"/>
+          </a:effectRef>
+          <a:fontRef idx="minor">
+            <a:schemeClr val="tx1"/>
+          </a:fontRef>
+        </p:style>
+      </p:cxnSp>
+      <p:cxnSp>
+        <p:nvCxnSpPr>
+          <p:cNvPr id="41" name="Straight Connector 40">
+            <a:extLst>
+              <a:ext uri="{FF2B5EF4-FFF2-40B4-BE49-F238E27FC236}">
+                <a16:creationId xmlns:a16="http://schemas.microsoft.com/office/drawing/2014/main" id="{128A6D84-545E-8649-B29C-EAC8A0FC9946}"/>
+              </a:ext>
+            </a:extLst>
+          </p:cNvPr>
+          <p:cNvCxnSpPr>
+            <a:cxnSpLocks/>
+          </p:cNvCxnSpPr>
+          <p:nvPr/>
+        </p:nvCxnSpPr>
+        <p:spPr>
+          <a:xfrm>
+            <a:off x="3673807" y="1657503"/>
+            <a:ext cx="228456" cy="2591"/>
+          </a:xfrm>
+          <a:prstGeom prst="line">
+            <a:avLst/>
+          </a:prstGeom>
+          <a:ln w="28575">
+            <a:solidFill>
+              <a:schemeClr val="tx1"/>
+            </a:solidFill>
+          </a:ln>
+        </p:spPr>
+        <p:style>
+          <a:lnRef idx="1">
+            <a:schemeClr val="accent1"/>
+          </a:lnRef>
+          <a:fillRef idx="0">
+            <a:schemeClr val="accent1"/>
+          </a:fillRef>
+          <a:effectRef idx="0">
+            <a:schemeClr val="accent1"/>
+          </a:effectRef>
+          <a:fontRef idx="minor">
+            <a:schemeClr val="tx1"/>
+          </a:fontRef>
+        </p:style>
+      </p:cxnSp>
+      <p:cxnSp>
+        <p:nvCxnSpPr>
+          <p:cNvPr id="42" name="Straight Connector 41">
+            <a:extLst>
+              <a:ext uri="{FF2B5EF4-FFF2-40B4-BE49-F238E27FC236}">
+                <a16:creationId xmlns:a16="http://schemas.microsoft.com/office/drawing/2014/main" id="{7B927869-93F7-0646-B8B5-D5B7B03DC46E}"/>
+              </a:ext>
+            </a:extLst>
+          </p:cNvPr>
+          <p:cNvCxnSpPr>
+            <a:cxnSpLocks/>
+          </p:cNvCxnSpPr>
+          <p:nvPr/>
+        </p:nvCxnSpPr>
+        <p:spPr>
+          <a:xfrm>
+            <a:off x="3911718" y="2381450"/>
+            <a:ext cx="152400" cy="0"/>
+          </a:xfrm>
+          <a:prstGeom prst="line">
+            <a:avLst/>
+          </a:prstGeom>
+          <a:ln w="28575">
+            <a:solidFill>
+              <a:schemeClr val="tx1"/>
+            </a:solidFill>
+          </a:ln>
+        </p:spPr>
+        <p:style>
+          <a:lnRef idx="1">
+            <a:schemeClr val="accent1"/>
+          </a:lnRef>
+          <a:fillRef idx="0">
+            <a:schemeClr val="accent1"/>
+          </a:fillRef>
+          <a:effectRef idx="0">
+            <a:schemeClr val="accent1"/>
+          </a:effectRef>
+          <a:fontRef idx="minor">
+            <a:schemeClr val="tx1"/>
+          </a:fontRef>
+        </p:style>
+      </p:cxnSp>
+      <p:cxnSp>
+        <p:nvCxnSpPr>
+          <p:cNvPr id="43" name="Straight Connector 42">
+            <a:extLst>
+              <a:ext uri="{FF2B5EF4-FFF2-40B4-BE49-F238E27FC236}">
+                <a16:creationId xmlns:a16="http://schemas.microsoft.com/office/drawing/2014/main" id="{70470DA0-73D6-6040-B4C8-54767890A186}"/>
+              </a:ext>
+            </a:extLst>
+          </p:cNvPr>
+          <p:cNvCxnSpPr>
+            <a:cxnSpLocks/>
+          </p:cNvCxnSpPr>
+          <p:nvPr/>
+        </p:nvCxnSpPr>
+        <p:spPr>
+          <a:xfrm>
+            <a:off x="3902260" y="947551"/>
+            <a:ext cx="204728" cy="0"/>
+          </a:xfrm>
+          <a:prstGeom prst="line">
+            <a:avLst/>
+          </a:prstGeom>
+          <a:ln w="28575">
+            <a:solidFill>
+              <a:schemeClr val="tx1"/>
+            </a:solidFill>
+          </a:ln>
+        </p:spPr>
+        <p:style>
+          <a:lnRef idx="1">
+            <a:schemeClr val="accent1"/>
+          </a:lnRef>
+          <a:fillRef idx="0">
+            <a:schemeClr val="accent1"/>
+          </a:fillRef>
+          <a:effectRef idx="0">
+            <a:schemeClr val="accent1"/>
+          </a:effectRef>
+          <a:fontRef idx="minor">
+            <a:schemeClr val="tx1"/>
+          </a:fontRef>
+        </p:style>
+      </p:cxnSp>
     </p:spTree>
     <p:extLst>
       <p:ext uri="{BB962C8B-B14F-4D97-AF65-F5344CB8AC3E}">
-        <p14:creationId xmlns:p14="http://schemas.microsoft.com/office/powerpoint/2010/main" val="1462753047"/>
+        <p14:creationId xmlns:p14="http://schemas.microsoft.com/office/powerpoint/2010/main" val="3009726815"/>
       </p:ext>
     </p:extLst>
   </p:cSld>
@@ -3796,64 +4332,115 @@
       </p:grpSpPr>
       <p:sp>
         <p:nvSpPr>
-          <p:cNvPr id="4" name="Rectangle 3">
-            <a:extLst>
-              <a:ext uri="{FF2B5EF4-FFF2-40B4-BE49-F238E27FC236}">
-                <a16:creationId xmlns:a16="http://schemas.microsoft.com/office/drawing/2014/main" id="{9A3998D3-C0FD-CA45-A4B8-13159DE36BDD}"/>
-              </a:ext>
-            </a:extLst>
-          </p:cNvPr>
-          <p:cNvSpPr/>
-          <p:nvPr/>
-        </p:nvSpPr>
-        <p:spPr>
-          <a:xfrm>
-            <a:off x="1347536" y="1450654"/>
-            <a:ext cx="8791073" cy="3139321"/>
-          </a:xfrm>
-          <a:prstGeom prst="rect">
-            <a:avLst/>
-          </a:prstGeom>
-        </p:spPr>
-        <p:txBody>
-          <a:bodyPr wrap="square">
-            <a:spAutoFit/>
-          </a:bodyPr>
+          <p:cNvPr id="2" name="Title 1">
+            <a:extLst>
+              <a:ext uri="{FF2B5EF4-FFF2-40B4-BE49-F238E27FC236}">
+                <a16:creationId xmlns:a16="http://schemas.microsoft.com/office/drawing/2014/main" id="{9D485ABD-8D03-044D-B160-0ED6816A6885}"/>
+              </a:ext>
+            </a:extLst>
+          </p:cNvPr>
+          <p:cNvSpPr>
+            <a:spLocks noGrp="1"/>
+          </p:cNvSpPr>
+          <p:nvPr>
+            <p:ph type="title"/>
+          </p:nvPr>
+        </p:nvSpPr>
+        <p:spPr/>
+        <p:txBody>
+          <a:bodyPr/>
+          <a:lstStyle/>
+          <a:p>
+            <a:pPr algn="ctr"/>
+            <a:r>
+              <a:rPr lang="en-US" b="1" dirty="0">
+                <a:latin typeface="Arial" panose="020B0604020202020204" pitchFamily="34" charset="0"/>
+                <a:cs typeface="Arial" panose="020B0604020202020204" pitchFamily="34" charset="0"/>
+              </a:rPr>
+              <a:t>Project Objective</a:t>
+            </a:r>
+            <a:br>
+              <a:rPr lang="en-US" b="1" dirty="0">
+                <a:latin typeface="Arial" panose="020B0604020202020204" pitchFamily="34" charset="0"/>
+                <a:cs typeface="Arial" panose="020B0604020202020204" pitchFamily="34" charset="0"/>
+              </a:rPr>
+            </a:br>
+            <a:endParaRPr lang="en-US" dirty="0"/>
+          </a:p>
+        </p:txBody>
+      </p:sp>
+      <p:sp>
+        <p:nvSpPr>
+          <p:cNvPr id="3" name="Content Placeholder 2">
+            <a:extLst>
+              <a:ext uri="{FF2B5EF4-FFF2-40B4-BE49-F238E27FC236}">
+                <a16:creationId xmlns:a16="http://schemas.microsoft.com/office/drawing/2014/main" id="{11CA305D-8D3E-7642-B42F-5DA75BAD15A1}"/>
+              </a:ext>
+            </a:extLst>
+          </p:cNvPr>
+          <p:cNvSpPr>
+            <a:spLocks noGrp="1"/>
+          </p:cNvSpPr>
+          <p:nvPr>
+            <p:ph idx="1"/>
+          </p:nvPr>
+        </p:nvSpPr>
+        <p:spPr/>
+        <p:txBody>
+          <a:bodyPr/>
           <a:lstStyle/>
           <a:p>
             <a:r>
               <a:rPr lang="en-US" dirty="0"/>
-              <a:t>Objective: Read the dataset, do a simple prediction for games on a given date using data prior to that date, then and record some stats on how well it did.</a:t>
-            </a:r>
-          </a:p>
-          <a:p>
+              <a:t>Build a predictor for the winner of baseball games (visitor or home)</a:t>
+            </a:r>
+          </a:p>
+          <a:p>
+            <a:pPr marL="0" indent="0">
+              <a:buNone/>
+            </a:pPr>
             <a:r>
               <a:rPr lang="en-US" dirty="0"/>
-              <a:t>1. Reads in the 2010 season as the baseline games dataset. It does some simple selection of columns and generates a few calculated fields.</a:t>
-            </a:r>
+              <a:t>      with &gt; 50% prediction accuracy, with statistical accuracy.</a:t>
+            </a:r>
+          </a:p>
+          <a:p>
+            <a:pPr marL="0" indent="0">
+              <a:buNone/>
+            </a:pPr>
+            <a:endParaRPr lang="en-US" dirty="0"/>
           </a:p>
           <a:p>
             <a:r>
               <a:rPr lang="en-US" dirty="0"/>
-              <a:t>2. It prompts the user to specify 'game day' which are the games it is to predict.</a:t>
-            </a:r>
-          </a:p>
-          <a:p>
+              <a:t>Analysis will be done by season, </a:t>
+            </a:r>
+          </a:p>
+          <a:p>
+            <a:pPr marL="0" indent="0">
+              <a:buNone/>
+            </a:pPr>
             <a:r>
               <a:rPr lang="en-US" dirty="0"/>
-              <a:t>3. It calculates the avg net number of runs for the home team (when playing at home) and the avg net number of runs for the visiting team (when playing away).</a:t>
-            </a:r>
-          </a:p>
-          <a:p>
+              <a:t>	looking at all the regular season games of a given year </a:t>
+            </a:r>
+          </a:p>
+          <a:p>
+            <a:pPr marL="0" indent="0">
+              <a:buNone/>
+            </a:pPr>
             <a:r>
               <a:rPr lang="en-US" dirty="0"/>
-              <a:t>4. For a given game, the predicted winner is the team with the greatest avg net runs  home or away (as applicable).</a:t>
-            </a:r>
-          </a:p>
-          <a:p>
+              <a:t>	with each days' game predicted based on info up to, </a:t>
+            </a:r>
+          </a:p>
+          <a:p>
+            <a:pPr marL="0" indent="0">
+              <a:buNone/>
+            </a:pPr>
             <a:r>
               <a:rPr lang="en-US" dirty="0"/>
-              <a:t> 5. The prediction is compared with the actual results that day, with % correct reported.</a:t>
+              <a:t>	but not including that day.</a:t>
             </a:r>
           </a:p>
           <a:p>
@@ -3864,7 +4451,7 @@
     </p:spTree>
     <p:extLst>
       <p:ext uri="{BB962C8B-B14F-4D97-AF65-F5344CB8AC3E}">
-        <p14:creationId xmlns:p14="http://schemas.microsoft.com/office/powerpoint/2010/main" val="1585535494"/>
+        <p14:creationId xmlns:p14="http://schemas.microsoft.com/office/powerpoint/2010/main" val="996582062"/>
       </p:ext>
     </p:extLst>
   </p:cSld>
@@ -3893,10 +4480,43 @@
       </p:grpSpPr>
       <p:sp>
         <p:nvSpPr>
+          <p:cNvPr id="2" name="Title 1">
+            <a:extLst>
+              <a:ext uri="{FF2B5EF4-FFF2-40B4-BE49-F238E27FC236}">
+                <a16:creationId xmlns:a16="http://schemas.microsoft.com/office/drawing/2014/main" id="{33DD8973-49A4-CF4C-951C-C2D87126FDFA}"/>
+              </a:ext>
+            </a:extLst>
+          </p:cNvPr>
+          <p:cNvSpPr>
+            <a:spLocks noGrp="1"/>
+          </p:cNvSpPr>
+          <p:nvPr>
+            <p:ph type="title"/>
+          </p:nvPr>
+        </p:nvSpPr>
+        <p:spPr/>
+        <p:txBody>
+          <a:bodyPr/>
+          <a:lstStyle/>
+          <a:p>
+            <a:pPr algn="ctr"/>
+            <a:r>
+              <a:rPr lang="en-US" b="1" dirty="0"/>
+              <a:t>Strategy</a:t>
+            </a:r>
+            <a:br>
+              <a:rPr lang="en-US" b="1" dirty="0"/>
+            </a:br>
+            <a:endParaRPr lang="en-US" dirty="0"/>
+          </a:p>
+        </p:txBody>
+      </p:sp>
+      <p:sp>
+        <p:nvSpPr>
           <p:cNvPr id="3" name="Content Placeholder 2">
             <a:extLst>
               <a:ext uri="{FF2B5EF4-FFF2-40B4-BE49-F238E27FC236}">
-                <a16:creationId xmlns:a16="http://schemas.microsoft.com/office/drawing/2014/main" id="{F26611E3-2923-454A-B2E2-0FD7E69D8847}"/>
+                <a16:creationId xmlns:a16="http://schemas.microsoft.com/office/drawing/2014/main" id="{5F7514C3-28A0-0A45-802B-0C171A62B822}"/>
               </a:ext>
             </a:extLst>
           </p:cNvPr>
@@ -3909,188 +4529,133 @@
         </p:nvSpPr>
         <p:spPr>
           <a:xfrm>
-            <a:off x="838200" y="558299"/>
-            <a:ext cx="9335947" cy="5935098"/>
+            <a:off x="626327" y="1342134"/>
+            <a:ext cx="11418036" cy="4944366"/>
           </a:xfrm>
         </p:spPr>
         <p:txBody>
           <a:bodyPr>
-            <a:noAutofit/>
+            <a:normAutofit fontScale="92500" lnSpcReduction="20000"/>
           </a:bodyPr>
           <a:lstStyle/>
           <a:p>
+            <a:pPr marL="285750" indent="-285750"/>
+            <a:r>
+              <a:rPr lang="en-US" dirty="0"/>
+              <a:t>Build a </a:t>
+            </a:r>
+            <a:r>
+              <a:rPr lang="en-US" dirty="0" err="1"/>
+              <a:t>dataframe</a:t>
+            </a:r>
+            <a:r>
+              <a:rPr lang="en-US" dirty="0"/>
+              <a:t> of games (rows) and  factors to build a regression model  for visiting net points, and by extension, predict the winner  of each game (visitor or home).</a:t>
+            </a:r>
+          </a:p>
+          <a:p>
+            <a:pPr marL="285750" indent="-285750"/>
+            <a:r>
+              <a:rPr lang="en-US" dirty="0"/>
+              <a:t>Explore candidate factors with regression analysis (T-stat, F-stat, p-value) build </a:t>
+            </a:r>
+          </a:p>
+          <a:p>
+            <a:pPr marL="285750" indent="-285750"/>
+            <a:r>
+              <a:rPr lang="en-US" dirty="0"/>
+              <a:t>optimize a simple LSR model using a training set through the 2017 Season.</a:t>
+            </a:r>
+          </a:p>
+          <a:p>
+            <a:r>
+              <a:rPr lang="en-US" dirty="0"/>
+              <a:t> Plot the results.</a:t>
+            </a:r>
+          </a:p>
+          <a:p>
+            <a:pPr marL="285750" indent="-285750"/>
+            <a:r>
+              <a:rPr lang="en-US" dirty="0"/>
+              <a:t>Ultimately, apply the model to the 2018, then 2019 seasons.</a:t>
+            </a:r>
+          </a:p>
+          <a:p>
+            <a:pPr marL="285750" indent="-285750"/>
+            <a:endParaRPr lang="en-US" dirty="0"/>
+          </a:p>
+          <a:p>
+            <a:r>
+              <a:rPr lang="en-US" b="1" dirty="0">
+                <a:cs typeface="Arial" panose="020B0604020202020204" pitchFamily="34" charset="0"/>
+              </a:rPr>
+              <a:t>Datasets used:</a:t>
+            </a:r>
+            <a:endParaRPr lang="en-US" dirty="0">
+              <a:cs typeface="Arial" panose="020B0604020202020204" pitchFamily="34" charset="0"/>
+            </a:endParaRPr>
+          </a:p>
+          <a:p>
             <a:pPr marL="0" indent="0">
               <a:buNone/>
             </a:pPr>
             <a:r>
-              <a:rPr lang="en-US" sz="1800" dirty="0"/>
-              <a:t>Proposed next steps 2:</a:t>
-            </a:r>
-          </a:p>
-          <a:p>
-            <a:pPr marL="0" indent="0">
-              <a:buNone/>
-            </a:pPr>
-            <a:r>
-              <a:rPr lang="en-US" sz="1800" dirty="0"/>
-              <a:t>1. Integrate Venkat's "</a:t>
-            </a:r>
-            <a:r>
-              <a:rPr lang="en-US" sz="1800" dirty="0" err="1"/>
-              <a:t>concat</a:t>
-            </a:r>
-            <a:r>
-              <a:rPr lang="en-US" sz="1800" dirty="0"/>
-              <a:t>" capability to combine datasets across year blocks to result</a:t>
-            </a:r>
-          </a:p>
-          <a:p>
-            <a:pPr marL="0" indent="0">
-              <a:buNone/>
-            </a:pPr>
-            <a:r>
-              <a:rPr lang="en-US" sz="1800" dirty="0"/>
-              <a:t>in a much larger dataset. Note that for development we may want to keep the dataset</a:t>
-            </a:r>
-          </a:p>
-          <a:p>
-            <a:pPr marL="0" indent="0">
-              <a:buNone/>
-            </a:pPr>
-            <a:r>
-              <a:rPr lang="en-US" sz="1800" dirty="0"/>
-              <a:t>smaller size so that it doesn't take a long time to run.</a:t>
-            </a:r>
-          </a:p>
-          <a:p>
-            <a:pPr marL="0" indent="0">
-              <a:buNone/>
-            </a:pPr>
-            <a:r>
-              <a:rPr lang="en-US" sz="1800" dirty="0"/>
-              <a:t>2. Move this out of </a:t>
-            </a:r>
-            <a:r>
-              <a:rPr lang="en-US" sz="1800" dirty="0" err="1"/>
-              <a:t>jupyter</a:t>
-            </a:r>
-            <a:r>
-              <a:rPr lang="en-US" sz="1800" dirty="0"/>
-              <a:t> notebook into standard Python and embed the prediction logic</a:t>
-            </a:r>
-          </a:p>
-          <a:p>
-            <a:pPr marL="0" indent="0">
-              <a:buNone/>
-            </a:pPr>
-            <a:r>
-              <a:rPr lang="en-US" sz="1800" dirty="0"/>
-              <a:t>into a function that can be called repeatedly with different dates.</a:t>
-            </a:r>
-          </a:p>
-          <a:p>
-            <a:pPr marL="0" indent="0">
-              <a:buNone/>
-            </a:pPr>
-            <a:r>
-              <a:rPr lang="en-US" sz="1800" dirty="0"/>
-              <a:t>3. Run trials with large numbers of dates to product large numbers of predictions and results.</a:t>
-            </a:r>
-          </a:p>
-          <a:p>
-            <a:pPr marL="0" indent="0">
-              <a:buNone/>
-            </a:pPr>
-            <a:r>
-              <a:rPr lang="en-US" sz="1800" dirty="0"/>
-              <a:t>4. Write results to a file. Possibly generate some plot of results as a function of</a:t>
-            </a:r>
-          </a:p>
-          <a:p>
-            <a:pPr marL="0" indent="0">
-              <a:buNone/>
-            </a:pPr>
-            <a:r>
-              <a:rPr lang="en-US" sz="1800" dirty="0"/>
-              <a:t>training set window size.</a:t>
-            </a:r>
-          </a:p>
-          <a:p>
-            <a:pPr marL="0" indent="0">
-              <a:buNone/>
-            </a:pPr>
-            <a:r>
-              <a:rPr lang="en-US" sz="1800" dirty="0"/>
-              <a:t>5. Start experimenting with </a:t>
-            </a:r>
-            <a:r>
-              <a:rPr lang="en-US" sz="1800" dirty="0" err="1"/>
-              <a:t>differnt</a:t>
-            </a:r>
-            <a:r>
-              <a:rPr lang="en-US" sz="1800" dirty="0"/>
-              <a:t> prediction functions, initially across individual</a:t>
-            </a:r>
-          </a:p>
-          <a:p>
-            <a:pPr marL="0" indent="0">
-              <a:buNone/>
-            </a:pPr>
-            <a:r>
-              <a:rPr lang="en-US" sz="1800" dirty="0"/>
-              <a:t>factors, and then with multiple factors.</a:t>
-            </a:r>
-          </a:p>
-          <a:p>
-            <a:pPr marL="0" indent="0">
-              <a:buNone/>
-            </a:pPr>
-            <a:r>
-              <a:rPr lang="en-US" sz="1800" dirty="0"/>
-              <a:t> 6. Consider a statistically meaningful </a:t>
-            </a:r>
-            <a:r>
-              <a:rPr lang="en-US" sz="1800" dirty="0" err="1"/>
-              <a:t>regresssion</a:t>
-            </a:r>
-            <a:r>
-              <a:rPr lang="en-US" sz="1800" dirty="0"/>
-              <a:t> analysis to select factors and training</a:t>
-            </a:r>
-          </a:p>
-          <a:p>
-            <a:pPr marL="0" indent="0">
-              <a:buNone/>
-            </a:pPr>
-            <a:r>
-              <a:rPr lang="en-US" sz="1800" dirty="0"/>
-              <a:t>set window size, by factor.</a:t>
-            </a:r>
-          </a:p>
-          <a:p>
-            <a:pPr marL="0" indent="0">
-              <a:buNone/>
-            </a:pPr>
-            <a:r>
-              <a:rPr lang="en-US" sz="1800" dirty="0"/>
-              <a:t> 7. If someone has energy, consider using a web API to hit a website with current day</a:t>
-            </a:r>
-          </a:p>
-          <a:p>
-            <a:pPr marL="0" indent="0">
-              <a:buNone/>
-            </a:pPr>
-            <a:r>
-              <a:rPr lang="en-US" sz="1800" dirty="0"/>
-              <a:t>game schedule so we can predict games more recent than the dataset.</a:t>
-            </a:r>
+              <a:rPr lang="en-US" dirty="0">
+                <a:cs typeface="Arial" panose="020B0604020202020204" pitchFamily="34" charset="0"/>
+              </a:rPr>
+              <a:t>	</a:t>
+            </a:r>
+            <a:r>
+              <a:rPr lang="en-US" sz="2300" dirty="0" err="1">
+                <a:cs typeface="Arial" panose="020B0604020202020204" pitchFamily="34" charset="0"/>
+              </a:rPr>
+              <a:t>SeanLahman.com</a:t>
+            </a:r>
+            <a:endParaRPr lang="en-US" sz="2300" dirty="0">
+              <a:cs typeface="Arial" panose="020B0604020202020204" pitchFamily="34" charset="0"/>
+            </a:endParaRPr>
+          </a:p>
+          <a:p>
+            <a:pPr lvl="2"/>
+            <a:r>
+              <a:rPr lang="en-US" sz="2300" dirty="0">
+                <a:cs typeface="Arial" panose="020B0604020202020204" pitchFamily="34" charset="0"/>
+              </a:rPr>
+              <a:t>-provides rich baseball game outcome for every  MLB game going back to 1881. </a:t>
+            </a:r>
+          </a:p>
+          <a:p>
+            <a:pPr lvl="2"/>
+            <a:r>
+              <a:rPr lang="en-US" sz="2300" dirty="0">
+                <a:cs typeface="Arial" panose="020B0604020202020204" pitchFamily="34" charset="0"/>
+              </a:rPr>
+              <a:t>-It includes game outcomes, player data, at bats, pitches.</a:t>
+            </a:r>
+          </a:p>
+          <a:p>
+            <a:pPr lvl="2"/>
+            <a:r>
+              <a:rPr lang="en-US" sz="2300" dirty="0">
+                <a:cs typeface="Arial" panose="020B0604020202020204" pitchFamily="34" charset="0"/>
+              </a:rPr>
+              <a:t>-It is available as a CSV file</a:t>
+            </a:r>
+            <a:endParaRPr lang="en-US" sz="2300" dirty="0"/>
+          </a:p>
+          <a:p>
+            <a:pPr marL="285750" indent="-285750"/>
+            <a:endParaRPr lang="en-US" dirty="0"/>
+          </a:p>
+          <a:p>
+            <a:endParaRPr lang="en-US" dirty="0"/>
           </a:p>
         </p:txBody>
       </p:sp>
     </p:spTree>
     <p:extLst>
       <p:ext uri="{BB962C8B-B14F-4D97-AF65-F5344CB8AC3E}">
-        <p14:creationId xmlns:p14="http://schemas.microsoft.com/office/powerpoint/2010/main" val="280591435"/>
+        <p14:creationId xmlns:p14="http://schemas.microsoft.com/office/powerpoint/2010/main" val="1256325458"/>
       </p:ext>
     </p:extLst>
   </p:cSld>
@@ -4119,115 +4684,171 @@
       </p:grpSpPr>
       <p:sp>
         <p:nvSpPr>
-          <p:cNvPr id="3" name="Content Placeholder 2">
-            <a:extLst>
-              <a:ext uri="{FF2B5EF4-FFF2-40B4-BE49-F238E27FC236}">
-                <a16:creationId xmlns:a16="http://schemas.microsoft.com/office/drawing/2014/main" id="{29F12AE4-2FD4-EF48-9833-3E249E40C44A}"/>
-              </a:ext>
-            </a:extLst>
-          </p:cNvPr>
-          <p:cNvSpPr>
-            <a:spLocks noGrp="1"/>
-          </p:cNvSpPr>
-          <p:nvPr>
-            <p:ph idx="1"/>
-          </p:nvPr>
-        </p:nvSpPr>
-        <p:spPr/>
-        <p:txBody>
-          <a:bodyPr>
-            <a:normAutofit fontScale="92500" lnSpcReduction="10000"/>
+          <p:cNvPr id="3" name="Subtitle 2">
+            <a:extLst>
+              <a:ext uri="{FF2B5EF4-FFF2-40B4-BE49-F238E27FC236}">
+                <a16:creationId xmlns:a16="http://schemas.microsoft.com/office/drawing/2014/main" id="{A316AA91-716F-204E-858C-904CF2B43D72}"/>
+              </a:ext>
+            </a:extLst>
+          </p:cNvPr>
+          <p:cNvSpPr>
+            <a:spLocks noGrp="1"/>
+          </p:cNvSpPr>
+          <p:nvPr>
+            <p:ph type="subTitle" idx="1"/>
+          </p:nvPr>
+        </p:nvSpPr>
+        <p:spPr>
+          <a:xfrm>
+            <a:off x="1524000" y="411423"/>
+            <a:ext cx="8977313" cy="1260215"/>
+          </a:xfrm>
+        </p:spPr>
+        <p:txBody>
+          <a:bodyPr/>
+          <a:lstStyle/>
+          <a:p>
+            <a:r>
+              <a:rPr lang="en-US" dirty="0"/>
+              <a:t>Prediction Performance by Lookback Window Length</a:t>
+            </a:r>
+          </a:p>
+        </p:txBody>
+      </p:sp>
+      <p:pic>
+        <p:nvPicPr>
+          <p:cNvPr id="4" name="Picture 3" descr="A close up of a map&#10;&#10;Description automatically generated">
+            <a:extLst>
+              <a:ext uri="{FF2B5EF4-FFF2-40B4-BE49-F238E27FC236}">
+                <a16:creationId xmlns:a16="http://schemas.microsoft.com/office/drawing/2014/main" id="{8DB7A2EB-ABAD-FC4E-8F97-83DCF4B166A3}"/>
+              </a:ext>
+            </a:extLst>
+          </p:cNvPr>
+          <p:cNvPicPr>
+            <a:picLocks noChangeAspect="1"/>
+          </p:cNvPicPr>
+          <p:nvPr/>
+        </p:nvPicPr>
+        <p:blipFill>
+          <a:blip r:embed="rId2"/>
+          <a:stretch>
+            <a:fillRect/>
+          </a:stretch>
+        </p:blipFill>
+        <p:spPr>
+          <a:xfrm>
+            <a:off x="6012656" y="1590711"/>
+            <a:ext cx="5704765" cy="3565478"/>
+          </a:xfrm>
+          <a:prstGeom prst="rect">
+            <a:avLst/>
+          </a:prstGeom>
+        </p:spPr>
+      </p:pic>
+      <p:pic>
+        <p:nvPicPr>
+          <p:cNvPr id="7" name="Picture 6" descr="A close up of a map&#10;&#10;Description automatically generated">
+            <a:extLst>
+              <a:ext uri="{FF2B5EF4-FFF2-40B4-BE49-F238E27FC236}">
+                <a16:creationId xmlns:a16="http://schemas.microsoft.com/office/drawing/2014/main" id="{9C55AF6B-FD97-9D4F-B4B0-B4DE67F9239C}"/>
+              </a:ext>
+            </a:extLst>
+          </p:cNvPr>
+          <p:cNvPicPr>
+            <a:picLocks noChangeAspect="1"/>
+          </p:cNvPicPr>
+          <p:nvPr/>
+        </p:nvPicPr>
+        <p:blipFill>
+          <a:blip r:embed="rId3"/>
+          <a:stretch>
+            <a:fillRect/>
+          </a:stretch>
+        </p:blipFill>
+        <p:spPr>
+          <a:xfrm>
+            <a:off x="391236" y="1509783"/>
+            <a:ext cx="5704764" cy="3565478"/>
+          </a:xfrm>
+          <a:prstGeom prst="rect">
+            <a:avLst/>
+          </a:prstGeom>
+        </p:spPr>
+      </p:pic>
+      <p:sp>
+        <p:nvSpPr>
+          <p:cNvPr id="2" name="TextBox 1">
+            <a:extLst>
+              <a:ext uri="{FF2B5EF4-FFF2-40B4-BE49-F238E27FC236}">
+                <a16:creationId xmlns:a16="http://schemas.microsoft.com/office/drawing/2014/main" id="{1C74DD2D-8F9B-3C4E-A8B8-6F43C8B69CD7}"/>
+              </a:ext>
+            </a:extLst>
+          </p:cNvPr>
+          <p:cNvSpPr txBox="1"/>
+          <p:nvPr/>
+        </p:nvSpPr>
+        <p:spPr>
+          <a:xfrm>
+            <a:off x="3068463" y="5075261"/>
+            <a:ext cx="517001" cy="369332"/>
+          </a:xfrm>
+          <a:prstGeom prst="rect">
+            <a:avLst/>
+          </a:prstGeom>
+          <a:noFill/>
+        </p:spPr>
+        <p:txBody>
+          <a:bodyPr wrap="none" rtlCol="0">
+            <a:spAutoFit/>
           </a:bodyPr>
           <a:lstStyle/>
           <a:p>
-            <a:pPr marL="0" indent="0">
-              <a:buNone/>
-            </a:pPr>
             <a:r>
               <a:rPr lang="en-US" dirty="0"/>
-              <a:t>Venkat : Modified the code and included the below changes</a:t>
-            </a:r>
-          </a:p>
-          <a:p>
-            <a:pPr marL="0" indent="0">
-              <a:buNone/>
-            </a:pPr>
+              <a:t>day</a:t>
+            </a:r>
+          </a:p>
+        </p:txBody>
+      </p:sp>
+      <p:sp>
+        <p:nvSpPr>
+          <p:cNvPr id="5" name="TextBox 4">
+            <a:extLst>
+              <a:ext uri="{FF2B5EF4-FFF2-40B4-BE49-F238E27FC236}">
+                <a16:creationId xmlns:a16="http://schemas.microsoft.com/office/drawing/2014/main" id="{3861DC06-B825-9D4C-BDC2-34E8403A591A}"/>
+              </a:ext>
+            </a:extLst>
+          </p:cNvPr>
+          <p:cNvSpPr txBox="1"/>
+          <p:nvPr/>
+        </p:nvSpPr>
+        <p:spPr>
+          <a:xfrm>
+            <a:off x="8606537" y="5075261"/>
+            <a:ext cx="517001" cy="369332"/>
+          </a:xfrm>
+          <a:prstGeom prst="rect">
+            <a:avLst/>
+          </a:prstGeom>
+          <a:noFill/>
+        </p:spPr>
+        <p:txBody>
+          <a:bodyPr wrap="none" rtlCol="0">
+            <a:spAutoFit/>
+          </a:bodyPr>
+          <a:lstStyle/>
+          <a:p>
             <a:r>
               <a:rPr lang="en-US" dirty="0"/>
-              <a:t>1. Included the logic to combine all data files into one data frame</a:t>
-            </a:r>
-          </a:p>
-          <a:p>
-            <a:pPr marL="0" indent="0">
-              <a:buNone/>
-            </a:pPr>
-            <a:r>
-              <a:rPr lang="en-US" dirty="0"/>
-              <a:t>2. Included cleanup logic to clean missing data rows if any such rows exists</a:t>
-            </a:r>
-          </a:p>
-          <a:p>
-            <a:endParaRPr lang="en-US" dirty="0"/>
-          </a:p>
-          <a:p>
-            <a:pPr marL="0" indent="0">
-              <a:buNone/>
-            </a:pPr>
-            <a:r>
-              <a:rPr lang="en-US" dirty="0"/>
-              <a:t>Alexis: Extend from "hello-world" to a useful predictor harness.</a:t>
-            </a:r>
-          </a:p>
-          <a:p>
-            <a:pPr marL="0" indent="0">
-              <a:buNone/>
-            </a:pPr>
-            <a:r>
-              <a:rPr lang="en-US" dirty="0"/>
-              <a:t>Implement a window to constrain the lookback period to n gamedays.</a:t>
-            </a:r>
-          </a:p>
-          <a:p>
-            <a:pPr marL="0" indent="0">
-              <a:buNone/>
-            </a:pPr>
-            <a:endParaRPr lang="en-US" dirty="0"/>
-          </a:p>
-          <a:p>
-            <a:pPr marL="0" indent="0">
-              <a:buNone/>
-            </a:pPr>
-            <a:r>
-              <a:rPr lang="en-US" dirty="0"/>
-              <a:t>Venkat: Building the new prediction algorithm.</a:t>
-            </a:r>
-          </a:p>
-          <a:p>
-            <a:pPr marL="0" indent="0">
-              <a:buNone/>
-            </a:pPr>
-            <a:r>
-              <a:rPr lang="en-US" dirty="0"/>
-              <a:t>  Calculate Avg Net runs only for head-head teams, and see if it improves the </a:t>
-            </a:r>
-            <a:r>
-              <a:rPr lang="en-US" dirty="0" err="1"/>
-              <a:t>forecst</a:t>
-            </a:r>
-            <a:r>
-              <a:rPr lang="en-US" dirty="0"/>
-              <a:t> accuracy </a:t>
-            </a:r>
-          </a:p>
-          <a:p>
-            <a:endParaRPr lang="en-US" dirty="0"/>
+              <a:t>day</a:t>
+            </a:r>
           </a:p>
         </p:txBody>
       </p:sp>
     </p:spTree>
     <p:extLst>
       <p:ext uri="{BB962C8B-B14F-4D97-AF65-F5344CB8AC3E}">
-        <p14:creationId xmlns:p14="http://schemas.microsoft.com/office/powerpoint/2010/main" val="3836375545"/>
+        <p14:creationId xmlns:p14="http://schemas.microsoft.com/office/powerpoint/2010/main" val="1565191423"/>
       </p:ext>
     </p:extLst>
   </p:cSld>
@@ -4256,81 +4877,100 @@
       </p:grpSpPr>
       <p:sp>
         <p:nvSpPr>
-          <p:cNvPr id="3" name="Subtitle 2">
-            <a:extLst>
-              <a:ext uri="{FF2B5EF4-FFF2-40B4-BE49-F238E27FC236}">
-                <a16:creationId xmlns:a16="http://schemas.microsoft.com/office/drawing/2014/main" id="{A316AA91-716F-204E-858C-904CF2B43D72}"/>
-              </a:ext>
-            </a:extLst>
-          </p:cNvPr>
-          <p:cNvSpPr>
-            <a:spLocks noGrp="1"/>
-          </p:cNvSpPr>
-          <p:nvPr>
-            <p:ph type="subTitle" idx="1"/>
+          <p:cNvPr id="2" name="Title 1">
+            <a:extLst>
+              <a:ext uri="{FF2B5EF4-FFF2-40B4-BE49-F238E27FC236}">
+                <a16:creationId xmlns:a16="http://schemas.microsoft.com/office/drawing/2014/main" id="{AE72FD32-92D0-5146-90DD-BF4812ACF5E1}"/>
+              </a:ext>
+            </a:extLst>
+          </p:cNvPr>
+          <p:cNvSpPr>
+            <a:spLocks noGrp="1"/>
+          </p:cNvSpPr>
+          <p:nvPr>
+            <p:ph type="title"/>
           </p:nvPr>
         </p:nvSpPr>
         <p:spPr>
           <a:xfrm>
-            <a:off x="1524000" y="411423"/>
-            <a:ext cx="8977313" cy="1260215"/>
+            <a:off x="1741449" y="329807"/>
+            <a:ext cx="8049322" cy="605031"/>
           </a:xfrm>
         </p:spPr>
         <p:txBody>
-          <a:bodyPr/>
-          <a:lstStyle/>
-          <a:p>
-            <a:r>
-              <a:rPr lang="en-US"/>
-              <a:t>Prediction Performance by Lookback Window </a:t>
-            </a:r>
-            <a:r>
-              <a:rPr lang="en-US" dirty="0"/>
-              <a:t>L</a:t>
-            </a:r>
-            <a:r>
-              <a:rPr lang="en-US"/>
-              <a:t>ength</a:t>
-            </a:r>
-            <a:endParaRPr lang="en-US" dirty="0"/>
-          </a:p>
-        </p:txBody>
-      </p:sp>
-      <p:sp>
-        <p:nvSpPr>
-          <p:cNvPr id="8" name="TextBox 7">
-            <a:extLst>
-              <a:ext uri="{FF2B5EF4-FFF2-40B4-BE49-F238E27FC236}">
-                <a16:creationId xmlns:a16="http://schemas.microsoft.com/office/drawing/2014/main" id="{4761F593-09AB-DF47-9AFC-50A19D92BEB3}"/>
-              </a:ext>
-            </a:extLst>
-          </p:cNvPr>
-          <p:cNvSpPr txBox="1"/>
-          <p:nvPr/>
+          <a:bodyPr>
+            <a:normAutofit/>
+          </a:bodyPr>
+          <a:lstStyle/>
+          <a:p>
+            <a:r>
+              <a:rPr lang="en-US" sz="2800" dirty="0"/>
+              <a:t>Prediction Performance by Lookback Window Length</a:t>
+            </a:r>
+          </a:p>
+        </p:txBody>
+      </p:sp>
+      <p:sp>
+        <p:nvSpPr>
+          <p:cNvPr id="3" name="Content Placeholder 2">
+            <a:extLst>
+              <a:ext uri="{FF2B5EF4-FFF2-40B4-BE49-F238E27FC236}">
+                <a16:creationId xmlns:a16="http://schemas.microsoft.com/office/drawing/2014/main" id="{F787FF5F-A6B6-CD46-A7DA-BAC09110F89E}"/>
+              </a:ext>
+            </a:extLst>
+          </p:cNvPr>
+          <p:cNvSpPr>
+            <a:spLocks noGrp="1"/>
+          </p:cNvSpPr>
+          <p:nvPr>
+            <p:ph idx="1"/>
+          </p:nvPr>
         </p:nvSpPr>
         <p:spPr>
           <a:xfrm>
-            <a:off x="1240083" y="5428142"/>
-            <a:ext cx="3234899" cy="646331"/>
+            <a:off x="1501638" y="5062654"/>
+            <a:ext cx="9392464" cy="1795346"/>
           </a:xfrm>
-          <a:prstGeom prst="rect">
-            <a:avLst/>
-          </a:prstGeom>
-          <a:noFill/>
         </p:spPr>
         <p:txBody>
-          <a:bodyPr wrap="square" rtlCol="0">
-            <a:spAutoFit/>
+          <a:bodyPr>
+            <a:normAutofit lnSpcReduction="10000"/>
           </a:bodyPr>
           <a:lstStyle/>
           <a:p>
             <a:r>
-              <a:rPr lang="en-US" b="1" dirty="0"/>
-              <a:t>Conclusion</a:t>
-            </a:r>
-          </a:p>
-          <a:p>
-            <a:endParaRPr lang="en-US" dirty="0"/>
+              <a:rPr lang="en-US" sz="1800" dirty="0"/>
+              <a:t>Dataset loaded with 19437 games</a:t>
+            </a:r>
+          </a:p>
+          <a:p>
+            <a:r>
+              <a:rPr lang="en-US" sz="1800" dirty="0"/>
+              <a:t>2010-04-04 - 2017-10-01 [2010, 2011, 2012, 2013, 2014, 2015, 2016, 2017] </a:t>
+            </a:r>
+          </a:p>
+          <a:p>
+            <a:r>
+              <a:rPr lang="en-US" sz="1800" dirty="0"/>
+              <a:t># of games before dropping lookback window: 19437 </a:t>
+            </a:r>
+          </a:p>
+          <a:p>
+            <a:r>
+              <a:rPr lang="en-US" sz="1800" dirty="0"/>
+              <a:t># of games after dropping lookback window: 17027 </a:t>
+            </a:r>
+          </a:p>
+          <a:p>
+            <a:r>
+              <a:rPr lang="en-US" sz="1800" dirty="0"/>
+              <a:t>slope: 0.474, int: 4.289, r2: 0.503, p-value: 0.0 , std : 0.0036</a:t>
+            </a:r>
+            <a:endParaRPr lang="en-US" sz="1800" dirty="0">
+              <a:solidFill>
+                <a:srgbClr val="FF0000"/>
+              </a:solidFill>
+            </a:endParaRPr>
           </a:p>
         </p:txBody>
       </p:sp>
@@ -4339,7 +4979,7 @@
           <p:cNvPr id="4" name="Picture 3" descr="A close up of a map&#10;&#10;Description automatically generated">
             <a:extLst>
               <a:ext uri="{FF2B5EF4-FFF2-40B4-BE49-F238E27FC236}">
-                <a16:creationId xmlns:a16="http://schemas.microsoft.com/office/drawing/2014/main" id="{8DB7A2EB-ABAD-FC4E-8F97-83DCF4B166A3}"/>
+                <a16:creationId xmlns:a16="http://schemas.microsoft.com/office/drawing/2014/main" id="{D81E5C01-5E9D-B744-9A65-1827B7B2ADFD}"/>
               </a:ext>
             </a:extLst>
           </p:cNvPr>
@@ -4356,8 +4996,8 @@
         </p:blipFill>
         <p:spPr>
           <a:xfrm>
-            <a:off x="6051663" y="1460209"/>
-            <a:ext cx="5704765" cy="3565478"/>
+            <a:off x="6420370" y="1027905"/>
+            <a:ext cx="5005798" cy="3529087"/>
           </a:xfrm>
           <a:prstGeom prst="rect">
             <a:avLst/>
@@ -4366,10 +5006,10 @@
       </p:pic>
       <p:pic>
         <p:nvPicPr>
-          <p:cNvPr id="7" name="Picture 6" descr="A close up of a map&#10;&#10;Description automatically generated">
-            <a:extLst>
-              <a:ext uri="{FF2B5EF4-FFF2-40B4-BE49-F238E27FC236}">
-                <a16:creationId xmlns:a16="http://schemas.microsoft.com/office/drawing/2014/main" id="{9C55AF6B-FD97-9D4F-B4B0-B4DE67F9239C}"/>
+          <p:cNvPr id="5" name="Content Placeholder 8" descr="A close up of a map&#10;&#10;Description automatically generated">
+            <a:extLst>
+              <a:ext uri="{FF2B5EF4-FFF2-40B4-BE49-F238E27FC236}">
+                <a16:creationId xmlns:a16="http://schemas.microsoft.com/office/drawing/2014/main" id="{B84D28FC-EEF0-634C-8400-80D5C88D2F85}"/>
               </a:ext>
             </a:extLst>
           </p:cNvPr>
@@ -4386,18 +5026,176 @@
         </p:blipFill>
         <p:spPr>
           <a:xfrm>
-            <a:off x="605651" y="1460209"/>
-            <a:ext cx="5704764" cy="3565478"/>
+            <a:off x="765832" y="1027905"/>
+            <a:ext cx="5432038" cy="3598724"/>
           </a:xfrm>
           <a:prstGeom prst="rect">
             <a:avLst/>
           </a:prstGeom>
         </p:spPr>
       </p:pic>
+      <p:cxnSp>
+        <p:nvCxnSpPr>
+          <p:cNvPr id="7" name="Straight Arrow Connector 6">
+            <a:extLst>
+              <a:ext uri="{FF2B5EF4-FFF2-40B4-BE49-F238E27FC236}">
+                <a16:creationId xmlns:a16="http://schemas.microsoft.com/office/drawing/2014/main" id="{50E1E8CD-61F9-954A-A4B1-1AB659CD325B}"/>
+              </a:ext>
+            </a:extLst>
+          </p:cNvPr>
+          <p:cNvCxnSpPr>
+            <a:cxnSpLocks/>
+          </p:cNvCxnSpPr>
+          <p:nvPr/>
+        </p:nvCxnSpPr>
+        <p:spPr>
+          <a:xfrm>
+            <a:off x="1103971" y="3010830"/>
+            <a:ext cx="370219" cy="1"/>
+          </a:xfrm>
+          <a:prstGeom prst="straightConnector1">
+            <a:avLst/>
+          </a:prstGeom>
+          <a:ln w="76200">
+            <a:solidFill>
+              <a:srgbClr val="0070C0"/>
+            </a:solidFill>
+            <a:tailEnd type="triangle"/>
+          </a:ln>
+        </p:spPr>
+        <p:style>
+          <a:lnRef idx="1">
+            <a:schemeClr val="accent1"/>
+          </a:lnRef>
+          <a:fillRef idx="0">
+            <a:schemeClr val="accent1"/>
+          </a:fillRef>
+          <a:effectRef idx="0">
+            <a:schemeClr val="accent1"/>
+          </a:effectRef>
+          <a:fontRef idx="minor">
+            <a:schemeClr val="tx1"/>
+          </a:fontRef>
+        </p:style>
+      </p:cxnSp>
+      <p:cxnSp>
+        <p:nvCxnSpPr>
+          <p:cNvPr id="11" name="Straight Arrow Connector 10">
+            <a:extLst>
+              <a:ext uri="{FF2B5EF4-FFF2-40B4-BE49-F238E27FC236}">
+                <a16:creationId xmlns:a16="http://schemas.microsoft.com/office/drawing/2014/main" id="{8C95C7AA-E217-314D-A647-1BAF6B282DBF}"/>
+              </a:ext>
+            </a:extLst>
+          </p:cNvPr>
+          <p:cNvCxnSpPr>
+            <a:cxnSpLocks/>
+          </p:cNvCxnSpPr>
+          <p:nvPr/>
+        </p:nvCxnSpPr>
+        <p:spPr>
+          <a:xfrm>
+            <a:off x="6653562" y="2913393"/>
+            <a:ext cx="370219" cy="1"/>
+          </a:xfrm>
+          <a:prstGeom prst="straightConnector1">
+            <a:avLst/>
+          </a:prstGeom>
+          <a:ln w="76200">
+            <a:solidFill>
+              <a:srgbClr val="0070C0"/>
+            </a:solidFill>
+            <a:tailEnd type="triangle"/>
+          </a:ln>
+        </p:spPr>
+        <p:style>
+          <a:lnRef idx="1">
+            <a:schemeClr val="accent1"/>
+          </a:lnRef>
+          <a:fillRef idx="0">
+            <a:schemeClr val="accent1"/>
+          </a:fillRef>
+          <a:effectRef idx="0">
+            <a:schemeClr val="accent1"/>
+          </a:effectRef>
+          <a:fontRef idx="minor">
+            <a:schemeClr val="tx1"/>
+          </a:fontRef>
+        </p:style>
+      </p:cxnSp>
+      <p:sp>
+        <p:nvSpPr>
+          <p:cNvPr id="14" name="TextBox 13">
+            <a:extLst>
+              <a:ext uri="{FF2B5EF4-FFF2-40B4-BE49-F238E27FC236}">
+                <a16:creationId xmlns:a16="http://schemas.microsoft.com/office/drawing/2014/main" id="{D7A10F2A-FAF1-3E48-B9B0-08EA8B7575C6}"/>
+              </a:ext>
+            </a:extLst>
+          </p:cNvPr>
+          <p:cNvSpPr txBox="1"/>
+          <p:nvPr/>
+        </p:nvSpPr>
+        <p:spPr>
+          <a:xfrm>
+            <a:off x="3271838" y="4556992"/>
+            <a:ext cx="699743" cy="369332"/>
+          </a:xfrm>
+          <a:prstGeom prst="rect">
+            <a:avLst/>
+          </a:prstGeom>
+          <a:noFill/>
+        </p:spPr>
+        <p:txBody>
+          <a:bodyPr wrap="none" rtlCol="0">
+            <a:spAutoFit/>
+          </a:bodyPr>
+          <a:lstStyle/>
+          <a:p>
+            <a:r>
+              <a:rPr lang="en-US" dirty="0"/>
+              <a:t>game</a:t>
+            </a:r>
+          </a:p>
+        </p:txBody>
+      </p:sp>
+      <p:sp>
+        <p:nvSpPr>
+          <p:cNvPr id="15" name="TextBox 14">
+            <a:extLst>
+              <a:ext uri="{FF2B5EF4-FFF2-40B4-BE49-F238E27FC236}">
+                <a16:creationId xmlns:a16="http://schemas.microsoft.com/office/drawing/2014/main" id="{0E6E022E-9911-ED44-B14B-C1C4F63D774C}"/>
+              </a:ext>
+            </a:extLst>
+          </p:cNvPr>
+          <p:cNvSpPr txBox="1"/>
+          <p:nvPr/>
+        </p:nvSpPr>
+        <p:spPr>
+          <a:xfrm>
+            <a:off x="8703876" y="4556992"/>
+            <a:ext cx="699743" cy="369332"/>
+          </a:xfrm>
+          <a:prstGeom prst="rect">
+            <a:avLst/>
+          </a:prstGeom>
+          <a:noFill/>
+        </p:spPr>
+        <p:txBody>
+          <a:bodyPr wrap="none" rtlCol="0">
+            <a:spAutoFit/>
+          </a:bodyPr>
+          <a:lstStyle/>
+          <a:p>
+            <a:r>
+              <a:rPr lang="en-US" dirty="0"/>
+              <a:t>game</a:t>
+            </a:r>
+          </a:p>
+        </p:txBody>
+      </p:sp>
     </p:spTree>
     <p:extLst>
       <p:ext uri="{BB962C8B-B14F-4D97-AF65-F5344CB8AC3E}">
-        <p14:creationId xmlns:p14="http://schemas.microsoft.com/office/powerpoint/2010/main" val="1565191423"/>
+        <p14:creationId xmlns:p14="http://schemas.microsoft.com/office/powerpoint/2010/main" val="1863849066"/>
       </p:ext>
     </p:extLst>
   </p:cSld>
